--- a/Invision Spike for Agile Apps and Analytics MI.pptx
+++ b/Invision Spike for Agile Apps and Analytics MI.pptx
@@ -6,7 +6,7 @@
     <p:sldMasterId id="2147483708" r:id="rId5"/>
   </p:sldMasterIdLst>
   <p:notesMasterIdLst>
-    <p:notesMasterId r:id="rId20"/>
+    <p:notesMasterId r:id="rId17"/>
   </p:notesMasterIdLst>
   <p:sldIdLst>
     <p:sldId id="298" r:id="rId6"/>
@@ -14,15 +14,12 @@
     <p:sldId id="441" r:id="rId8"/>
     <p:sldId id="437" r:id="rId9"/>
     <p:sldId id="316" r:id="rId10"/>
-    <p:sldId id="339" r:id="rId11"/>
+    <p:sldId id="421" r:id="rId11"/>
     <p:sldId id="433" r:id="rId12"/>
     <p:sldId id="442" r:id="rId13"/>
-    <p:sldId id="421" r:id="rId14"/>
-    <p:sldId id="443" r:id="rId15"/>
-    <p:sldId id="444" r:id="rId16"/>
-    <p:sldId id="340" r:id="rId17"/>
-    <p:sldId id="439" r:id="rId18"/>
-    <p:sldId id="301" r:id="rId19"/>
+    <p:sldId id="443" r:id="rId14"/>
+    <p:sldId id="340" r:id="rId15"/>
+    <p:sldId id="301" r:id="rId16"/>
   </p:sldIdLst>
   <p:sldSz cx="9144000" cy="6858000" type="screen4x3"/>
   <p:notesSz cx="6858000" cy="9144000"/>
@@ -1875,7 +1872,7 @@
       </dgm:t>
     </dgm:pt>
     <dgm:pt modelId="{637DAF4E-97D7-4EB5-8627-729DD50A04CD}">
-      <dgm:prSet phldr="0"/>
+      <dgm:prSet phldr="0" custT="1"/>
       <dgm:spPr/>
       <dgm:t>
         <a:bodyPr/>
@@ -1883,23 +1880,35 @@
         <a:p>
           <a:pPr rtl="0"/>
           <a:r>
-            <a:rPr lang="en-GB">
+            <a:rPr lang="en-GB" sz="1400" kern="1200" dirty="0">
               <a:latin typeface="RN House Sans Light"/>
             </a:rPr>
             <a:t>Initial</a:t>
           </a:r>
           <a:r>
-            <a:rPr lang="en-GB"/>
+            <a:rPr lang="en-GB" sz="1400" kern="1200" dirty="0"/>
             <a:t> </a:t>
           </a:r>
           <a:r>
-            <a:rPr lang="en-GB">
+            <a:rPr lang="en-GB" sz="1400" kern="1200" dirty="0">
               <a:latin typeface="RN House Sans Light"/>
             </a:rPr>
             <a:t>requirements </a:t>
           </a:r>
           <a:r>
-            <a:rPr lang="en-GB"/>
+            <a:rPr lang="en-GB" sz="1400" kern="1200" dirty="0">
+              <a:solidFill>
+                <a:srgbClr val="42145F">
+                  <a:hueOff val="0"/>
+                  <a:satOff val="0"/>
+                  <a:lumOff val="0"/>
+                  <a:alphaOff val="0"/>
+                </a:srgbClr>
+              </a:solidFill>
+              <a:latin typeface="RN House Sans Light"/>
+              <a:ea typeface="+mn-ea"/>
+              <a:cs typeface="+mn-cs"/>
+            </a:rPr>
             <a:t>gathering</a:t>
           </a:r>
         </a:p>
@@ -2126,7 +2135,7 @@
         <a:p>
           <a:pPr rtl="0"/>
           <a:r>
-            <a:rPr lang="en-GB">
+            <a:rPr lang="en-GB" dirty="0">
               <a:latin typeface="RN House Sans Light"/>
             </a:rPr>
             <a:t> Comments</a:t>
@@ -2216,36 +2225,24 @@
     <dgm:pt modelId="{0218F341-C02B-4599-9B5C-FD6375DFA75F}" type="parTrans" cxnId="{9A7E08A2-29E0-4955-A587-A77CAE379E11}">
       <dgm:prSet/>
       <dgm:spPr/>
+      <dgm:t>
+        <a:bodyPr/>
+        <a:lstStyle/>
+        <a:p>
+          <a:endParaRPr lang="en-GB"/>
+        </a:p>
+      </dgm:t>
     </dgm:pt>
     <dgm:pt modelId="{FE6AA9D7-97B7-4269-810D-F9592F2C970C}" type="sibTrans" cxnId="{9A7E08A2-29E0-4955-A587-A77CAE379E11}">
       <dgm:prSet/>
-      <dgm:spPr/>
-    </dgm:pt>
-    <dgm:pt modelId="{4178FA91-B3EB-4215-A8BA-A579EC942387}">
-      <dgm:prSet phldr="0"/>
       <dgm:spPr/>
       <dgm:t>
         <a:bodyPr/>
         <a:lstStyle/>
         <a:p>
-          <a:pPr rtl="0"/>
-          <a:r>
-            <a:rPr lang="en-GB">
-              <a:latin typeface="RN House Sans Light"/>
-            </a:rPr>
-            <a:t> Freehand</a:t>
-          </a:r>
           <a:endParaRPr lang="en-GB"/>
         </a:p>
       </dgm:t>
-    </dgm:pt>
-    <dgm:pt modelId="{66804991-13BD-4C8A-8E81-EF2DD334CB87}" type="parTrans" cxnId="{787ED13E-EBD4-4177-8DB0-07822C65E29B}">
-      <dgm:prSet/>
-      <dgm:spPr/>
-    </dgm:pt>
-    <dgm:pt modelId="{4E783264-969E-406E-AAEE-B4C3B1CA52F2}" type="sibTrans" cxnId="{787ED13E-EBD4-4177-8DB0-07822C65E29B}">
-      <dgm:prSet/>
-      <dgm:spPr/>
     </dgm:pt>
     <dgm:pt modelId="{3A1ED5D4-EFC6-4CC0-8495-B32630A03839}">
       <dgm:prSet phldr="0"/>
@@ -2267,10 +2264,24 @@
     <dgm:pt modelId="{F099FE11-B6AF-41FE-9670-35474E25C54B}" type="parTrans" cxnId="{E278A73B-D4E1-485A-B8AD-B695D03D1808}">
       <dgm:prSet/>
       <dgm:spPr/>
+      <dgm:t>
+        <a:bodyPr/>
+        <a:lstStyle/>
+        <a:p>
+          <a:endParaRPr lang="en-GB"/>
+        </a:p>
+      </dgm:t>
     </dgm:pt>
     <dgm:pt modelId="{7BE58556-FAC1-45BC-B611-7E3DD8C15BBA}" type="sibTrans" cxnId="{E278A73B-D4E1-485A-B8AD-B695D03D1808}">
       <dgm:prSet/>
       <dgm:spPr/>
+      <dgm:t>
+        <a:bodyPr/>
+        <a:lstStyle/>
+        <a:p>
+          <a:endParaRPr lang="en-GB"/>
+        </a:p>
+      </dgm:t>
     </dgm:pt>
     <dgm:pt modelId="{55B51532-8A25-4183-86D3-E063812B72C8}">
       <dgm:prSet phldr="0"/>
@@ -2292,8 +2303,47 @@
     <dgm:pt modelId="{C370C67B-F839-479C-980F-24FAD9B53EAF}" type="parTrans" cxnId="{FC942E9A-BE86-4F16-9B0D-5997A1A5FE49}">
       <dgm:prSet/>
       <dgm:spPr/>
+      <dgm:t>
+        <a:bodyPr/>
+        <a:lstStyle/>
+        <a:p>
+          <a:endParaRPr lang="en-GB"/>
+        </a:p>
+      </dgm:t>
     </dgm:pt>
     <dgm:pt modelId="{9649AD2A-8CD4-4A79-9199-F8E01ACE7A34}" type="sibTrans" cxnId="{FC942E9A-BE86-4F16-9B0D-5997A1A5FE49}">
+      <dgm:prSet/>
+      <dgm:spPr/>
+      <dgm:t>
+        <a:bodyPr/>
+        <a:lstStyle/>
+        <a:p>
+          <a:endParaRPr lang="en-GB"/>
+        </a:p>
+      </dgm:t>
+    </dgm:pt>
+    <dgm:pt modelId="{B7349125-CC22-42FD-96CC-AEB289E6DAAD}">
+      <dgm:prSet phldrT="[Text]"/>
+      <dgm:spPr/>
+      <dgm:t>
+        <a:bodyPr/>
+        <a:lstStyle/>
+        <a:p>
+          <a:pPr rtl="0"/>
+          <a:r>
+            <a:rPr lang="en-GB" dirty="0">
+              <a:latin typeface="RN House Sans Light"/>
+            </a:rPr>
+            <a:t>Freehand</a:t>
+          </a:r>
+        </a:p>
+      </dgm:t>
+    </dgm:pt>
+    <dgm:pt modelId="{BE9662E4-10DB-4AE8-8465-3528A5254EC7}" type="parTrans" cxnId="{931603C2-6AA6-4C12-9307-55D4C436A1AE}">
+      <dgm:prSet/>
+      <dgm:spPr/>
+    </dgm:pt>
+    <dgm:pt modelId="{616CAB31-48FF-4FF8-9D99-9E09D6B01E83}" type="sibTrans" cxnId="{931603C2-6AA6-4C12-9307-55D4C436A1AE}">
       <dgm:prSet/>
       <dgm:spPr/>
     </dgm:pt>
@@ -2346,15 +2396,15 @@
     <dgm:cxn modelId="{7FD6F719-156A-434A-8883-3F41C8C64021}" type="presOf" srcId="{EF93A6EE-F532-46BC-8E54-EEB9DFD845DE}" destId="{DCA0370F-5AB3-425E-BFED-07648CB87A47}" srcOrd="0" destOrd="1" presId="urn:microsoft.com/office/officeart/2005/8/layout/cycle3"/>
     <dgm:cxn modelId="{114D4123-BC5F-4DCB-A8F2-B98B807136D1}" type="presOf" srcId="{55B51532-8A25-4183-86D3-E063812B72C8}" destId="{D7BCC7C3-EA56-4668-8DCC-5411BD8BF181}" srcOrd="0" destOrd="2" presId="urn:microsoft.com/office/officeart/2005/8/layout/cycle3"/>
     <dgm:cxn modelId="{E278A73B-D4E1-485A-B8AD-B695D03D1808}" srcId="{2B88380F-C570-462B-8F85-E1D8D7E7305F}" destId="{3A1ED5D4-EFC6-4CC0-8495-B32630A03839}" srcOrd="0" destOrd="0" parTransId="{F099FE11-B6AF-41FE-9670-35474E25C54B}" sibTransId="{7BE58556-FAC1-45BC-B611-7E3DD8C15BBA}"/>
-    <dgm:cxn modelId="{787ED13E-EBD4-4177-8DB0-07822C65E29B}" srcId="{831AF2A9-DA22-4531-B86B-D63DE57B800E}" destId="{4178FA91-B3EB-4215-A8BA-A579EC942387}" srcOrd="1" destOrd="0" parTransId="{66804991-13BD-4C8A-8E81-EF2DD334CB87}" sibTransId="{4E783264-969E-406E-AAEE-B4C3B1CA52F2}"/>
     <dgm:cxn modelId="{26CDFA5C-B9EB-4D71-B23F-940A53DE34C7}" type="presOf" srcId="{AC6188F8-1760-49F7-83C3-48BDF24620CF}" destId="{42BC2578-E245-422B-BC23-0F87A266EEDA}" srcOrd="0" destOrd="0" presId="urn:microsoft.com/office/officeart/2005/8/layout/cycle3"/>
     <dgm:cxn modelId="{7BA2D064-A0DF-4DEE-8720-C2152EE9C233}" type="presOf" srcId="{2B88380F-C570-462B-8F85-E1D8D7E7305F}" destId="{D7BCC7C3-EA56-4668-8DCC-5411BD8BF181}" srcOrd="0" destOrd="0" presId="urn:microsoft.com/office/officeart/2005/8/layout/cycle3"/>
-    <dgm:cxn modelId="{C1192A68-55C8-41FD-ADF4-F793C32D0C23}" type="presOf" srcId="{4178FA91-B3EB-4215-A8BA-A579EC942387}" destId="{DCA0370F-5AB3-425E-BFED-07648CB87A47}" srcOrd="0" destOrd="2" presId="urn:microsoft.com/office/officeart/2005/8/layout/cycle3"/>
+    <dgm:cxn modelId="{11A7726D-C8DB-4340-8933-EC4709C83247}" type="presOf" srcId="{B7349125-CC22-42FD-96CC-AEB289E6DAAD}" destId="{DCA0370F-5AB3-425E-BFED-07648CB87A47}" srcOrd="0" destOrd="2" presId="urn:microsoft.com/office/officeart/2005/8/layout/cycle3"/>
     <dgm:cxn modelId="{F5FB7E4E-7A48-4864-9653-2F3FA834ABAC}" srcId="{70F38798-C10B-42A0-BA83-2F3D6DA3AB16}" destId="{831AF2A9-DA22-4531-B86B-D63DE57B800E}" srcOrd="0" destOrd="0" parTransId="{425C439A-27F3-44D0-B4CE-AEBF6D9C5888}" sibTransId="{AC6188F8-1760-49F7-83C3-48BDF24620CF}"/>
     <dgm:cxn modelId="{A7E0A05A-C74E-4506-B226-5E9DC0025B36}" type="presOf" srcId="{01E9CD17-EC0F-4EFC-AF56-A3DCEADF462D}" destId="{1FF19AEA-C5AF-4A9F-8E93-8A576696C0CE}" srcOrd="0" destOrd="0" presId="urn:microsoft.com/office/officeart/2005/8/layout/cycle3"/>
     <dgm:cxn modelId="{18DD7B8E-9E18-47A4-BB46-23563DDE9E3E}" type="presOf" srcId="{831AF2A9-DA22-4531-B86B-D63DE57B800E}" destId="{DCA0370F-5AB3-425E-BFED-07648CB87A47}" srcOrd="0" destOrd="0" presId="urn:microsoft.com/office/officeart/2005/8/layout/cycle3"/>
     <dgm:cxn modelId="{FC942E9A-BE86-4F16-9B0D-5997A1A5FE49}" srcId="{2B88380F-C570-462B-8F85-E1D8D7E7305F}" destId="{55B51532-8A25-4183-86D3-E063812B72C8}" srcOrd="1" destOrd="0" parTransId="{C370C67B-F839-479C-980F-24FAD9B53EAF}" sibTransId="{9649AD2A-8CD4-4A79-9199-F8E01ACE7A34}"/>
     <dgm:cxn modelId="{9A7E08A2-29E0-4955-A587-A77CAE379E11}" srcId="{70F38798-C10B-42A0-BA83-2F3D6DA3AB16}" destId="{2B88380F-C570-462B-8F85-E1D8D7E7305F}" srcOrd="2" destOrd="0" parTransId="{0218F341-C02B-4599-9B5C-FD6375DFA75F}" sibTransId="{FE6AA9D7-97B7-4269-810D-F9592F2C970C}"/>
+    <dgm:cxn modelId="{931603C2-6AA6-4C12-9307-55D4C436A1AE}" srcId="{831AF2A9-DA22-4531-B86B-D63DE57B800E}" destId="{B7349125-CC22-42FD-96CC-AEB289E6DAAD}" srcOrd="1" destOrd="0" parTransId="{BE9662E4-10DB-4AE8-8465-3528A5254EC7}" sibTransId="{616CAB31-48FF-4FF8-9D99-9E09D6B01E83}"/>
     <dgm:cxn modelId="{A9C23AD5-35BF-4902-8FC6-DD1AA889D98E}" type="presOf" srcId="{3A1ED5D4-EFC6-4CC0-8495-B32630A03839}" destId="{D7BCC7C3-EA56-4668-8DCC-5411BD8BF181}" srcOrd="0" destOrd="1" presId="urn:microsoft.com/office/officeart/2005/8/layout/cycle3"/>
     <dgm:cxn modelId="{A4B98BB2-B7DB-4E05-BDA8-07579FB39474}" type="presParOf" srcId="{47EE235F-0738-40F9-8423-3469952E9493}" destId="{81B10CB9-6D73-463E-9D78-E3709C6A758A}" srcOrd="0" destOrd="0" presId="urn:microsoft.com/office/officeart/2005/8/layout/cycle3"/>
     <dgm:cxn modelId="{0750F6D4-6918-4A2F-B675-90BC835EBDCA}" type="presParOf" srcId="{81B10CB9-6D73-463E-9D78-E3709C6A758A}" destId="{DCA0370F-5AB3-425E-BFED-07648CB87A47}" srcOrd="0" destOrd="0" presId="urn:microsoft.com/office/officeart/2005/8/layout/cycle3"/>
@@ -2859,23 +2909,35 @@
             <a:buNone/>
           </a:pPr>
           <a:r>
-            <a:rPr lang="en-GB" sz="1400" kern="1200">
+            <a:rPr lang="en-GB" sz="1400" kern="1200" dirty="0">
               <a:latin typeface="RN House Sans Light"/>
             </a:rPr>
             <a:t>Initial</a:t>
           </a:r>
           <a:r>
-            <a:rPr lang="en-GB" sz="1400" kern="1200"/>
+            <a:rPr lang="en-GB" sz="1400" kern="1200" dirty="0"/>
             <a:t> </a:t>
           </a:r>
           <a:r>
-            <a:rPr lang="en-GB" sz="1400" kern="1200">
+            <a:rPr lang="en-GB" sz="1400" kern="1200" dirty="0">
               <a:latin typeface="RN House Sans Light"/>
             </a:rPr>
             <a:t>requirements </a:t>
           </a:r>
           <a:r>
-            <a:rPr lang="en-GB" sz="1400" kern="1200"/>
+            <a:rPr lang="en-GB" sz="1400" kern="1200" dirty="0">
+              <a:solidFill>
+                <a:srgbClr val="42145F">
+                  <a:hueOff val="0"/>
+                  <a:satOff val="0"/>
+                  <a:lumOff val="0"/>
+                  <a:alphaOff val="0"/>
+                </a:srgbClr>
+              </a:solidFill>
+              <a:latin typeface="RN House Sans Light"/>
+              <a:ea typeface="+mn-ea"/>
+              <a:cs typeface="+mn-cs"/>
+            </a:rPr>
             <a:t>gathering</a:t>
           </a:r>
         </a:p>
@@ -3032,7 +3094,7 @@
             <a:buChar char="•"/>
           </a:pPr>
           <a:r>
-            <a:rPr lang="en-GB" sz="900" kern="1200">
+            <a:rPr lang="en-GB" sz="900" kern="1200" dirty="0">
               <a:latin typeface="RN House Sans Light"/>
             </a:rPr>
             <a:t> Comments</a:t>
@@ -3052,12 +3114,11 @@
             <a:buChar char="•"/>
           </a:pPr>
           <a:r>
-            <a:rPr lang="en-GB" sz="900" kern="1200">
+            <a:rPr lang="en-GB" sz="900" kern="1200" dirty="0">
               <a:latin typeface="RN House Sans Light"/>
             </a:rPr>
-            <a:t> Freehand</a:t>
+            <a:t>Freehand</a:t>
           </a:r>
-          <a:endParaRPr lang="en-GB" sz="900" kern="1200"/>
         </a:p>
       </dsp:txBody>
       <dsp:txXfrm>
@@ -6176,7 +6237,7 @@
           <a:p>
             <a:fld id="{B367A5C9-13FC-4133-8DC2-BDF5EC2F3784}" type="datetimeFigureOut">
               <a:rPr lang="en-GB" smtClean="0"/>
-              <a:t>28/09/2020</a:t>
+              <a:t>20/01/2021</a:t>
             </a:fld>
             <a:endParaRPr lang="en-GB"/>
           </a:p>
@@ -6509,91 +6570,7 @@
           <a:p>
             <a:fld id="{AD821A8B-FDDC-4817-9384-6E5CB9C93919}" type="slidenum">
               <a:rPr lang="en-GB" smtClean="0"/>
-              <a:t>11</a:t>
-            </a:fld>
-            <a:endParaRPr lang="en-GB"/>
-          </a:p>
-        </p:txBody>
-      </p:sp>
-    </p:spTree>
-    <p:extLst>
-      <p:ext uri="{BB962C8B-B14F-4D97-AF65-F5344CB8AC3E}">
-        <p14:creationId xmlns:p14="http://schemas.microsoft.com/office/powerpoint/2010/main" val="3632413296"/>
-      </p:ext>
-    </p:extLst>
-  </p:cSld>
-  <p:clrMapOvr>
-    <a:masterClrMapping/>
-  </p:clrMapOvr>
-</p:notes>
-</file>
-
-<file path=ppt/notesSlides/notesSlide2.xml><?xml version="1.0" encoding="utf-8"?>
-<p:notes xmlns:a="http://schemas.openxmlformats.org/drawingml/2006/main" xmlns:r="http://schemas.openxmlformats.org/officeDocument/2006/relationships" xmlns:p="http://schemas.openxmlformats.org/presentationml/2006/main">
-  <p:cSld>
-    <p:spTree>
-      <p:nvGrpSpPr>
-        <p:cNvPr id="1" name=""/>
-        <p:cNvGrpSpPr/>
-        <p:nvPr/>
-      </p:nvGrpSpPr>
-      <p:grpSpPr>
-        <a:xfrm>
-          <a:off x="0" y="0"/>
-          <a:ext cx="0" cy="0"/>
-          <a:chOff x="0" y="0"/>
-          <a:chExt cx="0" cy="0"/>
-        </a:xfrm>
-      </p:grpSpPr>
-      <p:sp>
-        <p:nvSpPr>
-          <p:cNvPr id="2" name="Slide Image Placeholder 1"/>
-          <p:cNvSpPr>
-            <a:spLocks noGrp="1" noRot="1" noChangeAspect="1"/>
-          </p:cNvSpPr>
-          <p:nvPr>
-            <p:ph type="sldImg"/>
-          </p:nvPr>
-        </p:nvSpPr>
-        <p:spPr/>
-      </p:sp>
-      <p:sp>
-        <p:nvSpPr>
-          <p:cNvPr id="3" name="Notes Placeholder 2"/>
-          <p:cNvSpPr>
-            <a:spLocks noGrp="1"/>
-          </p:cNvSpPr>
-          <p:nvPr>
-            <p:ph type="body" idx="1"/>
-          </p:nvPr>
-        </p:nvSpPr>
-        <p:spPr/>
-        <p:txBody>
-          <a:bodyPr/>
-          <a:lstStyle/>
-          <a:p>
-            <a:endParaRPr lang="en-GB"/>
-          </a:p>
-        </p:txBody>
-      </p:sp>
-      <p:sp>
-        <p:nvSpPr>
-          <p:cNvPr id="4" name="Slide Number Placeholder 3"/>
-          <p:cNvSpPr>
-            <a:spLocks noGrp="1"/>
-          </p:cNvSpPr>
-          <p:nvPr>
-            <p:ph type="sldNum" sz="quarter" idx="5"/>
-          </p:nvPr>
-        </p:nvSpPr>
-        <p:spPr/>
-        <p:txBody>
-          <a:bodyPr/>
-          <a:lstStyle/>
-          <a:p>
-            <a:fld id="{AD821A8B-FDDC-4817-9384-6E5CB9C93919}" type="slidenum">
-              <a:rPr lang="en-GB" smtClean="0"/>
-              <a:t>12</a:t>
+              <a:t>10</a:t>
             </a:fld>
             <a:endParaRPr lang="en-GB"/>
           </a:p>
@@ -6761,7 +6738,7 @@
           <a:p>
             <a:fld id="{AFAF0A7F-2CF2-074E-A38D-5B351353F492}" type="datetimeFigureOut">
               <a:rPr lang="en-US" smtClean="0"/>
-              <a:t>9/28/2020</a:t>
+              <a:t>1/20/2021</a:t>
             </a:fld>
             <a:endParaRPr lang="en-US"/>
           </a:p>
@@ -6961,7 +6938,7 @@
           <a:p>
             <a:fld id="{AFAF0A7F-2CF2-074E-A38D-5B351353F492}" type="datetimeFigureOut">
               <a:rPr lang="en-US" smtClean="0"/>
-              <a:t>9/28/2020</a:t>
+              <a:t>1/20/2021</a:t>
             </a:fld>
             <a:endParaRPr lang="en-US"/>
           </a:p>
@@ -7171,7 +7148,7 @@
           <a:p>
             <a:fld id="{AFAF0A7F-2CF2-074E-A38D-5B351353F492}" type="datetimeFigureOut">
               <a:rPr lang="en-US" smtClean="0"/>
-              <a:t>9/28/2020</a:t>
+              <a:t>1/20/2021</a:t>
             </a:fld>
             <a:endParaRPr lang="en-US"/>
           </a:p>
@@ -7712,7 +7689,7 @@
           <a:p>
             <a:fld id="{EFC2085F-DA30-4907-8E58-66AFEE844725}" type="datetime1">
               <a:rPr lang="en-US" smtClean="0"/>
-              <a:t>9/28/2020</a:t>
+              <a:t>1/20/2021</a:t>
             </a:fld>
             <a:endParaRPr lang="en-US"/>
           </a:p>
@@ -7928,7 +7905,7 @@
           <a:p>
             <a:fld id="{10C83745-3C6E-44AD-85BF-23198F042BFD}" type="datetime1">
               <a:rPr lang="en-US" smtClean="0"/>
-              <a:t>9/28/2020</a:t>
+              <a:t>1/20/2021</a:t>
             </a:fld>
             <a:endParaRPr lang="en-US"/>
           </a:p>
@@ -8279,7 +8256,7 @@
           <a:p>
             <a:fld id="{975B541F-C28A-41CE-A74A-369F2CCCE08D}" type="datetime1">
               <a:rPr lang="en-US" smtClean="0"/>
-              <a:t>9/28/2020</a:t>
+              <a:t>1/20/2021</a:t>
             </a:fld>
             <a:endParaRPr lang="en-US"/>
           </a:p>
@@ -8547,7 +8524,7 @@
           <a:p>
             <a:fld id="{DF741F1E-197B-4A9F-935E-8D908E5F843C}" type="datetime1">
               <a:rPr lang="en-US" smtClean="0"/>
-              <a:t>9/28/2020</a:t>
+              <a:t>1/20/2021</a:t>
             </a:fld>
             <a:endParaRPr lang="en-US"/>
           </a:p>
@@ -8962,7 +8939,7 @@
           <a:p>
             <a:fld id="{9614EA08-00A9-4542-AEE8-9DA1314A5900}" type="datetime1">
               <a:rPr lang="en-US" smtClean="0"/>
-              <a:t>9/28/2020</a:t>
+              <a:t>1/20/2021</a:t>
             </a:fld>
             <a:endParaRPr lang="en-US"/>
           </a:p>
@@ -9104,7 +9081,7 @@
           <a:p>
             <a:fld id="{937ED127-6505-45A8-B0B3-4C542DA12DE6}" type="datetime1">
               <a:rPr lang="en-US" smtClean="0"/>
-              <a:t>9/28/2020</a:t>
+              <a:t>1/20/2021</a:t>
             </a:fld>
             <a:endParaRPr lang="en-US"/>
           </a:p>
@@ -9217,7 +9194,7 @@
           <a:p>
             <a:fld id="{BA73C30B-8E0F-4975-B180-5B86E7F51F3B}" type="datetime1">
               <a:rPr lang="en-US" smtClean="0"/>
-              <a:t>9/28/2020</a:t>
+              <a:t>1/20/2021</a:t>
             </a:fld>
             <a:endParaRPr lang="en-US"/>
           </a:p>
@@ -9433,7 +9410,7 @@
           <a:p>
             <a:fld id="{AFAF0A7F-2CF2-074E-A38D-5B351353F492}" type="datetimeFigureOut">
               <a:rPr lang="en-US" smtClean="0"/>
-              <a:t>9/28/2020</a:t>
+              <a:t>1/20/2021</a:t>
             </a:fld>
             <a:endParaRPr lang="en-US"/>
           </a:p>
@@ -9821,7 +9798,7 @@
           <a:p>
             <a:fld id="{D294BA07-A47E-4A46-AA6E-6768E0A79DFB}" type="datetime1">
               <a:rPr lang="en-US" smtClean="0"/>
-              <a:t>9/28/2020</a:t>
+              <a:t>1/20/2021</a:t>
             </a:fld>
             <a:endParaRPr lang="en-US"/>
           </a:p>
@@ -10110,7 +10087,7 @@
           <a:p>
             <a:fld id="{AA7DD607-E195-4740-8D91-2650318D0CA2}" type="datetime1">
               <a:rPr lang="en-US" smtClean="0"/>
-              <a:t>9/28/2020</a:t>
+              <a:t>1/20/2021</a:t>
             </a:fld>
             <a:endParaRPr lang="en-US"/>
           </a:p>
@@ -10310,7 +10287,7 @@
           <a:p>
             <a:fld id="{A7BA48B7-CAEA-4AE2-847A-BE51050DEA78}" type="datetime1">
               <a:rPr lang="en-US" smtClean="0"/>
-              <a:t>9/28/2020</a:t>
+              <a:t>1/20/2021</a:t>
             </a:fld>
             <a:endParaRPr lang="en-US"/>
           </a:p>
@@ -10520,7 +10497,7 @@
           <a:p>
             <a:fld id="{863E28CD-FF78-4684-BFB3-4FD60612E213}" type="datetime1">
               <a:rPr lang="en-US" smtClean="0"/>
-              <a:t>9/28/2020</a:t>
+              <a:t>1/20/2021</a:t>
             </a:fld>
             <a:endParaRPr lang="en-US"/>
           </a:p>
@@ -11115,7 +11092,7 @@
           <a:p>
             <a:fld id="{AFAF0A7F-2CF2-074E-A38D-5B351353F492}" type="datetimeFigureOut">
               <a:rPr lang="en-US" smtClean="0"/>
-              <a:t>9/28/2020</a:t>
+              <a:t>1/20/2021</a:t>
             </a:fld>
             <a:endParaRPr lang="en-US"/>
           </a:p>
@@ -11383,7 +11360,7 @@
           <a:p>
             <a:fld id="{AFAF0A7F-2CF2-074E-A38D-5B351353F492}" type="datetimeFigureOut">
               <a:rPr lang="en-US" smtClean="0"/>
-              <a:t>9/28/2020</a:t>
+              <a:t>1/20/2021</a:t>
             </a:fld>
             <a:endParaRPr lang="en-US"/>
           </a:p>
@@ -11798,7 +11775,7 @@
           <a:p>
             <a:fld id="{AFAF0A7F-2CF2-074E-A38D-5B351353F492}" type="datetimeFigureOut">
               <a:rPr lang="en-US" smtClean="0"/>
-              <a:t>9/28/2020</a:t>
+              <a:t>1/20/2021</a:t>
             </a:fld>
             <a:endParaRPr lang="en-US"/>
           </a:p>
@@ -11940,7 +11917,7 @@
           <a:p>
             <a:fld id="{AFAF0A7F-2CF2-074E-A38D-5B351353F492}" type="datetimeFigureOut">
               <a:rPr lang="en-US" smtClean="0"/>
-              <a:t>9/28/2020</a:t>
+              <a:t>1/20/2021</a:t>
             </a:fld>
             <a:endParaRPr lang="en-US"/>
           </a:p>
@@ -12053,7 +12030,7 @@
           <a:p>
             <a:fld id="{AFAF0A7F-2CF2-074E-A38D-5B351353F492}" type="datetimeFigureOut">
               <a:rPr lang="en-US" smtClean="0"/>
-              <a:t>9/28/2020</a:t>
+              <a:t>1/20/2021</a:t>
             </a:fld>
             <a:endParaRPr lang="en-US"/>
           </a:p>
@@ -12366,7 +12343,7 @@
           <a:p>
             <a:fld id="{AFAF0A7F-2CF2-074E-A38D-5B351353F492}" type="datetimeFigureOut">
               <a:rPr lang="en-US" smtClean="0"/>
-              <a:t>9/28/2020</a:t>
+              <a:t>1/20/2021</a:t>
             </a:fld>
             <a:endParaRPr lang="en-US"/>
           </a:p>
@@ -12655,7 +12632,7 @@
           <a:p>
             <a:fld id="{AFAF0A7F-2CF2-074E-A38D-5B351353F492}" type="datetimeFigureOut">
               <a:rPr lang="en-US" smtClean="0"/>
-              <a:t>9/28/2020</a:t>
+              <a:t>1/20/2021</a:t>
             </a:fld>
             <a:endParaRPr lang="en-US"/>
           </a:p>
@@ -12898,7 +12875,7 @@
           <a:p>
             <a:fld id="{AFAF0A7F-2CF2-074E-A38D-5B351353F492}" type="datetimeFigureOut">
               <a:rPr lang="en-US" smtClean="0"/>
-              <a:t>9/28/2020</a:t>
+              <a:t>1/20/2021</a:t>
             </a:fld>
             <a:endParaRPr lang="en-US"/>
           </a:p>
@@ -13469,7 +13446,7 @@
           <a:p>
             <a:fld id="{75B001C7-1C27-4158-953B-8FE0AC1F488D}" type="datetime1">
               <a:rPr lang="en-US" smtClean="0"/>
-              <a:t>9/28/2020</a:t>
+              <a:t>1/20/2021</a:t>
             </a:fld>
             <a:endParaRPr lang="en-US"/>
           </a:p>
@@ -14317,8 +14294,8 @@
         </p:nvSpPr>
         <p:spPr>
           <a:xfrm>
-            <a:off x="206142" y="870565"/>
-            <a:ext cx="4365858" cy="3170099"/>
+            <a:off x="206141" y="870565"/>
+            <a:ext cx="4993179" cy="3046988"/>
           </a:xfrm>
           <a:prstGeom prst="rect">
             <a:avLst/>
@@ -14332,15 +14309,24 @@
           <a:lstStyle/>
           <a:p>
             <a:r>
-              <a:rPr lang="en-GB" sz="5000">
+              <a:rPr lang="en-GB" sz="4800" b="1" dirty="0">
                 <a:solidFill>
                   <a:srgbClr val="44195E"/>
                 </a:solidFill>
                 <a:latin typeface="RN House Sans Light"/>
               </a:rPr>
-              <a:t>Invision Spike in Agile Apps and Analytics MI</a:t>
-            </a:r>
-            <a:endParaRPr lang="en-GB" sz="5000">
+              <a:t>Invision prototype</a:t>
+            </a:r>
+            <a:r>
+              <a:rPr lang="en-GB" sz="4800" dirty="0">
+                <a:solidFill>
+                  <a:srgbClr val="44195E"/>
+                </a:solidFill>
+                <a:latin typeface="RN House Sans Light"/>
+              </a:rPr>
+              <a:t> tool demo - Agile Apps and Analytics MI</a:t>
+            </a:r>
+            <a:endParaRPr lang="en-GB" sz="4800" dirty="0">
               <a:solidFill>
                 <a:srgbClr val="5A287D"/>
               </a:solidFill>
@@ -14364,7 +14350,7 @@
         <p:spPr>
           <a:xfrm>
             <a:off x="227870" y="4545013"/>
-            <a:ext cx="4134842" cy="1200329"/>
+            <a:ext cx="4134842" cy="369332"/>
           </a:xfrm>
           <a:prstGeom prst="rect">
             <a:avLst/>
@@ -14378,32 +14364,13 @@
           <a:lstStyle/>
           <a:p>
             <a:r>
-              <a:rPr lang="en-GB" b="1">
+              <a:rPr lang="en-GB" dirty="0">
                 <a:solidFill>
                   <a:srgbClr val="5A287D"/>
                 </a:solidFill>
                 <a:latin typeface="RN House Sans Light"/>
               </a:rPr>
-              <a:t>Possible Operating Models</a:t>
-            </a:r>
-          </a:p>
-          <a:p>
-            <a:endParaRPr lang="en-GB">
-              <a:solidFill>
-                <a:srgbClr val="5A287D"/>
-              </a:solidFill>
-              <a:latin typeface="RN House Sans Light" panose="020B0404020203020204" pitchFamily="34" charset="77"/>
-            </a:endParaRPr>
-          </a:p>
-          <a:p>
-            <a:r>
-              <a:rPr lang="en-GB">
-                <a:solidFill>
-                  <a:srgbClr val="5A287D"/>
-                </a:solidFill>
-                <a:latin typeface="RN House Sans Light"/>
-              </a:rPr>
-              <a:t>Sudeep Pournami, Mandy Cadman, Timea Kosa, Piotr Piech</a:t>
+              <a:t>Mandy Cadman, Saransh Bansal</a:t>
             </a:r>
           </a:p>
         </p:txBody>
@@ -14500,453 +14467,6 @@
 </file>
 
 <file path=ppt/slides/slide10.xml><?xml version="1.0" encoding="utf-8"?>
-<p:sld xmlns:a="http://schemas.openxmlformats.org/drawingml/2006/main" xmlns:r="http://schemas.openxmlformats.org/officeDocument/2006/relationships" xmlns:p="http://schemas.openxmlformats.org/presentationml/2006/main">
-  <p:cSld>
-    <p:spTree>
-      <p:nvGrpSpPr>
-        <p:cNvPr id="1" name=""/>
-        <p:cNvGrpSpPr/>
-        <p:nvPr/>
-      </p:nvGrpSpPr>
-      <p:grpSpPr>
-        <a:xfrm>
-          <a:off x="0" y="0"/>
-          <a:ext cx="0" cy="0"/>
-          <a:chOff x="0" y="0"/>
-          <a:chExt cx="0" cy="0"/>
-        </a:xfrm>
-      </p:grpSpPr>
-      <p:sp>
-        <p:nvSpPr>
-          <p:cNvPr id="2" name="Title 1">
-            <a:extLst>
-              <a:ext uri="{FF2B5EF4-FFF2-40B4-BE49-F238E27FC236}">
-                <a16:creationId xmlns:a16="http://schemas.microsoft.com/office/drawing/2014/main" id="{B9468803-3B46-4B5F-B6E5-A4D8B9698964}"/>
-              </a:ext>
-            </a:extLst>
-          </p:cNvPr>
-          <p:cNvSpPr>
-            <a:spLocks noGrp="1"/>
-          </p:cNvSpPr>
-          <p:nvPr>
-            <p:ph type="title"/>
-          </p:nvPr>
-        </p:nvSpPr>
-        <p:spPr/>
-        <p:txBody>
-          <a:bodyPr/>
-          <a:lstStyle/>
-          <a:p>
-            <a:r>
-              <a:rPr lang="en-GB"/>
-              <a:t>Proposed Analytics MI design Operating model</a:t>
-            </a:r>
-          </a:p>
-        </p:txBody>
-      </p:sp>
-      <p:sp>
-        <p:nvSpPr>
-          <p:cNvPr id="4" name="Slide Number Placeholder 3">
-            <a:extLst>
-              <a:ext uri="{FF2B5EF4-FFF2-40B4-BE49-F238E27FC236}">
-                <a16:creationId xmlns:a16="http://schemas.microsoft.com/office/drawing/2014/main" id="{1736966F-AB39-4D3B-9B5F-CE52A8B24B30}"/>
-              </a:ext>
-            </a:extLst>
-          </p:cNvPr>
-          <p:cNvSpPr>
-            <a:spLocks noGrp="1"/>
-          </p:cNvSpPr>
-          <p:nvPr>
-            <p:ph type="sldNum" sz="quarter" idx="12"/>
-          </p:nvPr>
-        </p:nvSpPr>
-        <p:spPr/>
-        <p:txBody>
-          <a:bodyPr/>
-          <a:lstStyle/>
-          <a:p>
-            <a:pPr marL="0" marR="0" lvl="0" indent="0" algn="r" defTabSz="914400" rtl="0" eaLnBrk="1" fontAlgn="auto" latinLnBrk="0" hangingPunct="1">
-              <a:lnSpc>
-                <a:spcPct val="100000"/>
-              </a:lnSpc>
-              <a:spcBef>
-                <a:spcPts val="0"/>
-              </a:spcBef>
-              <a:spcAft>
-                <a:spcPts val="0"/>
-              </a:spcAft>
-              <a:buClrTx/>
-              <a:buSzTx/>
-              <a:buFontTx/>
-              <a:buNone/>
-              <a:tabLst/>
-              <a:defRPr/>
-            </a:pPr>
-            <a:fld id="{63E01DB9-4BD9-4C43-A10E-8D4F70EA4320}" type="slidenum">
-              <a:rPr kumimoji="0" lang="en-US" sz="900" b="0" i="0" u="none" strike="noStrike" kern="1200" cap="none" spc="0" normalizeH="0" baseline="0" noProof="0" smtClean="0">
-                <a:ln>
-                  <a:noFill/>
-                </a:ln>
-                <a:solidFill>
-                  <a:srgbClr val="42145F">
-                    <a:tint val="75000"/>
-                  </a:srgbClr>
-                </a:solidFill>
-                <a:effectLst/>
-                <a:uLnTx/>
-                <a:uFillTx/>
-                <a:latin typeface="RN House Sans Regular"/>
-                <a:ea typeface="+mn-ea"/>
-                <a:cs typeface="+mn-cs"/>
-              </a:rPr>
-              <a:pPr marL="0" marR="0" lvl="0" indent="0" algn="r" defTabSz="914400" rtl="0" eaLnBrk="1" fontAlgn="auto" latinLnBrk="0" hangingPunct="1">
-                <a:lnSpc>
-                  <a:spcPct val="100000"/>
-                </a:lnSpc>
-                <a:spcBef>
-                  <a:spcPts val="0"/>
-                </a:spcBef>
-                <a:spcAft>
-                  <a:spcPts val="0"/>
-                </a:spcAft>
-                <a:buClrTx/>
-                <a:buSzTx/>
-                <a:buFontTx/>
-                <a:buNone/>
-                <a:tabLst/>
-                <a:defRPr/>
-              </a:pPr>
-              <a:t>10</a:t>
-            </a:fld>
-            <a:endParaRPr kumimoji="0" lang="en-US" sz="900" b="0" i="0" u="none" strike="noStrike" kern="1200" cap="none" spc="0" normalizeH="0" baseline="0" noProof="0">
-              <a:ln>
-                <a:noFill/>
-              </a:ln>
-              <a:solidFill>
-                <a:srgbClr val="42145F">
-                  <a:tint val="75000"/>
-                </a:srgbClr>
-              </a:solidFill>
-              <a:effectLst/>
-              <a:uLnTx/>
-              <a:uFillTx/>
-              <a:latin typeface="RN House Sans Regular"/>
-              <a:ea typeface="+mn-ea"/>
-              <a:cs typeface="+mn-cs"/>
-            </a:endParaRPr>
-          </a:p>
-        </p:txBody>
-      </p:sp>
-      <p:pic>
-        <p:nvPicPr>
-          <p:cNvPr id="7" name="Picture 6" descr="A screenshot of a social media post&#10;&#10;Description automatically generated">
-            <a:extLst>
-              <a:ext uri="{FF2B5EF4-FFF2-40B4-BE49-F238E27FC236}">
-                <a16:creationId xmlns:a16="http://schemas.microsoft.com/office/drawing/2014/main" id="{DCF3D37D-65DA-4EBC-B85F-6E8A55AEC5BC}"/>
-              </a:ext>
-            </a:extLst>
-          </p:cNvPr>
-          <p:cNvPicPr>
-            <a:picLocks noChangeAspect="1"/>
-          </p:cNvPicPr>
-          <p:nvPr/>
-        </p:nvPicPr>
-        <p:blipFill rotWithShape="1">
-          <a:blip r:embed="rId2"/>
-          <a:srcRect l="3042" t="4586" r="2826" b="5658"/>
-          <a:stretch/>
-        </p:blipFill>
-        <p:spPr>
-          <a:xfrm>
-            <a:off x="1921164" y="1062182"/>
-            <a:ext cx="4922981" cy="5144654"/>
-          </a:xfrm>
-          <a:prstGeom prst="rect">
-            <a:avLst/>
-          </a:prstGeom>
-        </p:spPr>
-      </p:pic>
-      <p:sp>
-        <p:nvSpPr>
-          <p:cNvPr id="8" name="TextBox 7">
-            <a:extLst>
-              <a:ext uri="{FF2B5EF4-FFF2-40B4-BE49-F238E27FC236}">
-                <a16:creationId xmlns:a16="http://schemas.microsoft.com/office/drawing/2014/main" id="{098111FE-DB17-44E5-B551-D188DC6FFD21}"/>
-              </a:ext>
-            </a:extLst>
-          </p:cNvPr>
-          <p:cNvSpPr txBox="1"/>
-          <p:nvPr/>
-        </p:nvSpPr>
-        <p:spPr>
-          <a:xfrm>
-            <a:off x="7120197" y="2840396"/>
-            <a:ext cx="1865746" cy="646331"/>
-          </a:xfrm>
-          <a:prstGeom prst="rect">
-            <a:avLst/>
-          </a:prstGeom>
-          <a:noFill/>
-        </p:spPr>
-        <p:txBody>
-          <a:bodyPr wrap="square" rtlCol="0">
-            <a:spAutoFit/>
-          </a:bodyPr>
-          <a:lstStyle/>
-          <a:p>
-            <a:r>
-              <a:rPr lang="en-GB"/>
-              <a:t>Model built using Invision</a:t>
-            </a:r>
-          </a:p>
-        </p:txBody>
-      </p:sp>
-      <p:sp>
-        <p:nvSpPr>
-          <p:cNvPr id="9" name="Arrow: Bent 8">
-            <a:extLst>
-              <a:ext uri="{FF2B5EF4-FFF2-40B4-BE49-F238E27FC236}">
-                <a16:creationId xmlns:a16="http://schemas.microsoft.com/office/drawing/2014/main" id="{94189862-62E4-4C3E-9F3F-3CF954518A77}"/>
-              </a:ext>
-            </a:extLst>
-          </p:cNvPr>
-          <p:cNvSpPr/>
-          <p:nvPr/>
-        </p:nvSpPr>
-        <p:spPr>
-          <a:xfrm rot="10800000">
-            <a:off x="7222836" y="3486727"/>
-            <a:ext cx="498764" cy="244764"/>
-          </a:xfrm>
-          <a:prstGeom prst="bentArrow">
-            <a:avLst/>
-          </a:prstGeom>
-          <a:ln/>
-        </p:spPr>
-        <p:style>
-          <a:lnRef idx="2">
-            <a:schemeClr val="dk1">
-              <a:shade val="50000"/>
-            </a:schemeClr>
-          </a:lnRef>
-          <a:fillRef idx="1">
-            <a:schemeClr val="dk1"/>
-          </a:fillRef>
-          <a:effectRef idx="0">
-            <a:schemeClr val="dk1"/>
-          </a:effectRef>
-          <a:fontRef idx="minor">
-            <a:schemeClr val="lt1"/>
-          </a:fontRef>
-        </p:style>
-        <p:txBody>
-          <a:bodyPr rtlCol="0" anchor="ctr"/>
-          <a:lstStyle/>
-          <a:p>
-            <a:pPr algn="ctr"/>
-            <a:endParaRPr lang="en-GB">
-              <a:solidFill>
-                <a:schemeClr val="tx1"/>
-              </a:solidFill>
-            </a:endParaRPr>
-          </a:p>
-        </p:txBody>
-      </p:sp>
-    </p:spTree>
-    <p:extLst>
-      <p:ext uri="{BB962C8B-B14F-4D97-AF65-F5344CB8AC3E}">
-        <p14:creationId xmlns:p14="http://schemas.microsoft.com/office/powerpoint/2010/main" val="1612285251"/>
-      </p:ext>
-    </p:extLst>
-  </p:cSld>
-  <p:clrMapOvr>
-    <a:masterClrMapping/>
-  </p:clrMapOvr>
-</p:sld>
-</file>
-
-<file path=ppt/slides/slide11.xml><?xml version="1.0" encoding="utf-8"?>
-<p:sld xmlns:a="http://schemas.openxmlformats.org/drawingml/2006/main" xmlns:r="http://schemas.openxmlformats.org/officeDocument/2006/relationships" xmlns:p="http://schemas.openxmlformats.org/presentationml/2006/main">
-  <p:cSld>
-    <p:spTree>
-      <p:nvGrpSpPr>
-        <p:cNvPr id="1" name=""/>
-        <p:cNvGrpSpPr/>
-        <p:nvPr/>
-      </p:nvGrpSpPr>
-      <p:grpSpPr>
-        <a:xfrm>
-          <a:off x="0" y="0"/>
-          <a:ext cx="0" cy="0"/>
-          <a:chOff x="0" y="0"/>
-          <a:chExt cx="0" cy="0"/>
-        </a:xfrm>
-      </p:grpSpPr>
-      <p:sp>
-        <p:nvSpPr>
-          <p:cNvPr id="2" name="Title 1">
-            <a:extLst>
-              <a:ext uri="{FF2B5EF4-FFF2-40B4-BE49-F238E27FC236}">
-                <a16:creationId xmlns:a16="http://schemas.microsoft.com/office/drawing/2014/main" id="{B9468803-3B46-4B5F-B6E5-A4D8B9698964}"/>
-              </a:ext>
-            </a:extLst>
-          </p:cNvPr>
-          <p:cNvSpPr>
-            <a:spLocks noGrp="1"/>
-          </p:cNvSpPr>
-          <p:nvPr>
-            <p:ph type="title"/>
-          </p:nvPr>
-        </p:nvSpPr>
-        <p:spPr/>
-        <p:txBody>
-          <a:bodyPr/>
-          <a:lstStyle/>
-          <a:p>
-            <a:r>
-              <a:rPr lang="en-GB"/>
-              <a:t>Performance Insights Operating model</a:t>
-            </a:r>
-          </a:p>
-        </p:txBody>
-      </p:sp>
-      <p:sp>
-        <p:nvSpPr>
-          <p:cNvPr id="4" name="Slide Number Placeholder 3">
-            <a:extLst>
-              <a:ext uri="{FF2B5EF4-FFF2-40B4-BE49-F238E27FC236}">
-                <a16:creationId xmlns:a16="http://schemas.microsoft.com/office/drawing/2014/main" id="{1736966F-AB39-4D3B-9B5F-CE52A8B24B30}"/>
-              </a:ext>
-            </a:extLst>
-          </p:cNvPr>
-          <p:cNvSpPr>
-            <a:spLocks noGrp="1"/>
-          </p:cNvSpPr>
-          <p:nvPr>
-            <p:ph type="sldNum" sz="quarter" idx="12"/>
-          </p:nvPr>
-        </p:nvSpPr>
-        <p:spPr/>
-        <p:txBody>
-          <a:bodyPr/>
-          <a:lstStyle/>
-          <a:p>
-            <a:pPr marL="0" marR="0" lvl="0" indent="0" algn="r" defTabSz="914400" rtl="0" eaLnBrk="1" fontAlgn="auto" latinLnBrk="0" hangingPunct="1">
-              <a:lnSpc>
-                <a:spcPct val="100000"/>
-              </a:lnSpc>
-              <a:spcBef>
-                <a:spcPts val="0"/>
-              </a:spcBef>
-              <a:spcAft>
-                <a:spcPts val="0"/>
-              </a:spcAft>
-              <a:buClrTx/>
-              <a:buSzTx/>
-              <a:buFontTx/>
-              <a:buNone/>
-              <a:tabLst/>
-              <a:defRPr/>
-            </a:pPr>
-            <a:fld id="{63E01DB9-4BD9-4C43-A10E-8D4F70EA4320}" type="slidenum">
-              <a:rPr kumimoji="0" lang="en-US" sz="900" b="0" i="0" u="none" strike="noStrike" kern="1200" cap="none" spc="0" normalizeH="0" baseline="0" noProof="0" smtClean="0">
-                <a:ln>
-                  <a:noFill/>
-                </a:ln>
-                <a:solidFill>
-                  <a:srgbClr val="42145F">
-                    <a:tint val="75000"/>
-                  </a:srgbClr>
-                </a:solidFill>
-                <a:effectLst/>
-                <a:uLnTx/>
-                <a:uFillTx/>
-                <a:latin typeface="RN House Sans Regular"/>
-                <a:ea typeface="+mn-ea"/>
-                <a:cs typeface="+mn-cs"/>
-              </a:rPr>
-              <a:pPr marL="0" marR="0" lvl="0" indent="0" algn="r" defTabSz="914400" rtl="0" eaLnBrk="1" fontAlgn="auto" latinLnBrk="0" hangingPunct="1">
-                <a:lnSpc>
-                  <a:spcPct val="100000"/>
-                </a:lnSpc>
-                <a:spcBef>
-                  <a:spcPts val="0"/>
-                </a:spcBef>
-                <a:spcAft>
-                  <a:spcPts val="0"/>
-                </a:spcAft>
-                <a:buClrTx/>
-                <a:buSzTx/>
-                <a:buFontTx/>
-                <a:buNone/>
-                <a:tabLst/>
-                <a:defRPr/>
-              </a:pPr>
-              <a:t>11</a:t>
-            </a:fld>
-            <a:endParaRPr kumimoji="0" lang="en-US" sz="900" b="0" i="0" u="none" strike="noStrike" kern="1200" cap="none" spc="0" normalizeH="0" baseline="0" noProof="0">
-              <a:ln>
-                <a:noFill/>
-              </a:ln>
-              <a:solidFill>
-                <a:srgbClr val="42145F">
-                  <a:tint val="75000"/>
-                </a:srgbClr>
-              </a:solidFill>
-              <a:effectLst/>
-              <a:uLnTx/>
-              <a:uFillTx/>
-              <a:latin typeface="RN House Sans Regular"/>
-              <a:ea typeface="+mn-ea"/>
-              <a:cs typeface="+mn-cs"/>
-            </a:endParaRPr>
-          </a:p>
-        </p:txBody>
-      </p:sp>
-      <p:pic>
-        <p:nvPicPr>
-          <p:cNvPr id="3" name="Picture 4" descr="A screenshot of a cell phone&#10;&#10;Description automatically generated">
-            <a:extLst>
-              <a:ext uri="{FF2B5EF4-FFF2-40B4-BE49-F238E27FC236}">
-                <a16:creationId xmlns:a16="http://schemas.microsoft.com/office/drawing/2014/main" id="{1C19A88F-EC0E-4B64-BC2A-E1D66B61D803}"/>
-              </a:ext>
-            </a:extLst>
-          </p:cNvPr>
-          <p:cNvPicPr>
-            <a:picLocks noChangeAspect="1"/>
-          </p:cNvPicPr>
-          <p:nvPr/>
-        </p:nvPicPr>
-        <p:blipFill>
-          <a:blip r:embed="rId3"/>
-          <a:stretch>
-            <a:fillRect/>
-          </a:stretch>
-        </p:blipFill>
-        <p:spPr>
-          <a:xfrm>
-            <a:off x="1873405" y="1797736"/>
-            <a:ext cx="5397190" cy="4143473"/>
-          </a:xfrm>
-          <a:prstGeom prst="rect">
-            <a:avLst/>
-          </a:prstGeom>
-        </p:spPr>
-      </p:pic>
-    </p:spTree>
-    <p:extLst>
-      <p:ext uri="{BB962C8B-B14F-4D97-AF65-F5344CB8AC3E}">
-        <p14:creationId xmlns:p14="http://schemas.microsoft.com/office/powerpoint/2010/main" val="4109354682"/>
-      </p:ext>
-    </p:extLst>
-  </p:cSld>
-  <p:clrMapOvr>
-    <a:masterClrMapping/>
-  </p:clrMapOvr>
-</p:sld>
-</file>
-
-<file path=ppt/slides/slide12.xml><?xml version="1.0" encoding="utf-8"?>
 <p:sld xmlns:a="http://schemas.openxmlformats.org/drawingml/2006/main" xmlns:r="http://schemas.openxmlformats.org/officeDocument/2006/relationships" xmlns:p="http://schemas.openxmlformats.org/presentationml/2006/main">
   <p:cSld>
     <p:spTree>
@@ -14987,7 +14507,7 @@
             <a:fld id="{08BDDC8D-36E9-467E-8CF1-750845950A7F}" type="slidenum">
               <a:rPr lang="en-GB" sz="1500" noProof="0" smtClean="0"/>
               <a:pPr/>
-              <a:t>12</a:t>
+              <a:t>10</a:t>
             </a:fld>
             <a:endParaRPr lang="en-GB" sz="1500" noProof="0"/>
           </a:p>
@@ -15023,328 +14543,6 @@
       </p:sp>
       <p:grpSp>
         <p:nvGrpSpPr>
-          <p:cNvPr id="28" name="Group 27">
-            <a:extLst>
-              <a:ext uri="{FF2B5EF4-FFF2-40B4-BE49-F238E27FC236}">
-                <a16:creationId xmlns:a16="http://schemas.microsoft.com/office/drawing/2014/main" id="{FBBF0612-3180-44F7-9853-B594639464B2}"/>
-              </a:ext>
-            </a:extLst>
-          </p:cNvPr>
-          <p:cNvGrpSpPr/>
-          <p:nvPr/>
-        </p:nvGrpSpPr>
-        <p:grpSpPr>
-          <a:xfrm>
-            <a:off x="322163" y="2492815"/>
-            <a:ext cx="8246454" cy="725454"/>
-            <a:chOff x="415582" y="3682818"/>
-            <a:chExt cx="8524651" cy="914400"/>
-          </a:xfrm>
-        </p:grpSpPr>
-        <p:grpSp>
-          <p:nvGrpSpPr>
-            <p:cNvPr id="19" name="Group 18">
-              <a:extLst>
-                <a:ext uri="{FF2B5EF4-FFF2-40B4-BE49-F238E27FC236}">
-                  <a16:creationId xmlns:a16="http://schemas.microsoft.com/office/drawing/2014/main" id="{FB45970E-459D-47C0-96E1-BBF019585C61}"/>
-                </a:ext>
-              </a:extLst>
-            </p:cNvPr>
-            <p:cNvGrpSpPr/>
-            <p:nvPr/>
-          </p:nvGrpSpPr>
-          <p:grpSpPr>
-            <a:xfrm>
-              <a:off x="415582" y="3682818"/>
-              <a:ext cx="1097282" cy="914400"/>
-              <a:chOff x="415582" y="1452489"/>
-              <a:chExt cx="1097282" cy="914400"/>
-            </a:xfrm>
-            <a:solidFill>
-              <a:schemeClr val="bg1">
-                <a:lumMod val="65000"/>
-              </a:schemeClr>
-            </a:solidFill>
-          </p:grpSpPr>
-          <p:pic>
-            <p:nvPicPr>
-              <p:cNvPr id="20" name="Graphic 19" descr="Checkmark">
-                <a:extLst>
-                  <a:ext uri="{FF2B5EF4-FFF2-40B4-BE49-F238E27FC236}">
-                    <a16:creationId xmlns:a16="http://schemas.microsoft.com/office/drawing/2014/main" id="{E4CE44FB-BC4F-4B3A-AAF7-5E05BACE3880}"/>
-                  </a:ext>
-                </a:extLst>
-              </p:cNvPr>
-              <p:cNvPicPr>
-                <a:picLocks noChangeAspect="1"/>
-              </p:cNvPicPr>
-              <p:nvPr/>
-            </p:nvPicPr>
-            <p:blipFill>
-              <a:blip r:embed="rId3">
-                <a:extLst>
-                  <a:ext uri="{96DAC541-7B7A-43D3-8B79-37D633B846F1}">
-                    <asvg:svgBlip xmlns:asvg="http://schemas.microsoft.com/office/drawing/2016/SVG/main" r:embed="rId4"/>
-                  </a:ext>
-                </a:extLst>
-              </a:blip>
-              <a:stretch>
-                <a:fillRect/>
-              </a:stretch>
-            </p:blipFill>
-            <p:spPr>
-              <a:xfrm>
-                <a:off x="415582" y="1452489"/>
-                <a:ext cx="914400" cy="914400"/>
-              </a:xfrm>
-              <a:prstGeom prst="rect">
-                <a:avLst/>
-              </a:prstGeom>
-            </p:spPr>
-          </p:pic>
-          <p:pic>
-            <p:nvPicPr>
-              <p:cNvPr id="21" name="Graphic 20" descr="Checkmark">
-                <a:extLst>
-                  <a:ext uri="{FF2B5EF4-FFF2-40B4-BE49-F238E27FC236}">
-                    <a16:creationId xmlns:a16="http://schemas.microsoft.com/office/drawing/2014/main" id="{52F88BB2-53E7-4056-B4C8-25FBE920F6DE}"/>
-                  </a:ext>
-                </a:extLst>
-              </p:cNvPr>
-              <p:cNvPicPr>
-                <a:picLocks noChangeAspect="1"/>
-              </p:cNvPicPr>
-              <p:nvPr/>
-            </p:nvPicPr>
-            <p:blipFill>
-              <a:blip r:embed="rId3">
-                <a:extLst>
-                  <a:ext uri="{96DAC541-7B7A-43D3-8B79-37D633B846F1}">
-                    <asvg:svgBlip xmlns:asvg="http://schemas.microsoft.com/office/drawing/2016/SVG/main" r:embed="rId4"/>
-                  </a:ext>
-                </a:extLst>
-              </a:blip>
-              <a:stretch>
-                <a:fillRect/>
-              </a:stretch>
-            </p:blipFill>
-            <p:spPr>
-              <a:xfrm>
-                <a:off x="598464" y="1452489"/>
-                <a:ext cx="914400" cy="914400"/>
-              </a:xfrm>
-              <a:prstGeom prst="rect">
-                <a:avLst/>
-              </a:prstGeom>
-            </p:spPr>
-          </p:pic>
-        </p:grpSp>
-        <p:sp>
-          <p:nvSpPr>
-            <p:cNvPr id="22" name="Content Placeholder 1">
-              <a:extLst>
-                <a:ext uri="{FF2B5EF4-FFF2-40B4-BE49-F238E27FC236}">
-                  <a16:creationId xmlns:a16="http://schemas.microsoft.com/office/drawing/2014/main" id="{C6F19ECA-D5D6-42DB-8F0C-90E0E5A0AEAE}"/>
-                </a:ext>
-              </a:extLst>
-            </p:cNvPr>
-            <p:cNvSpPr txBox="1">
-              <a:spLocks/>
-            </p:cNvSpPr>
-            <p:nvPr/>
-          </p:nvSpPr>
-          <p:spPr bwMode="gray">
-            <a:xfrm>
-              <a:off x="1845719" y="3761335"/>
-              <a:ext cx="7094514" cy="543158"/>
-            </a:xfrm>
-            <a:prstGeom prst="rect">
-              <a:avLst/>
-            </a:prstGeom>
-          </p:spPr>
-          <p:txBody>
-            <a:bodyPr vert="horz" lIns="0" tIns="0" rIns="0" bIns="0" rtlCol="0">
-              <a:noAutofit/>
-            </a:bodyPr>
-            <a:lstStyle>
-              <a:lvl1pPr marL="171450" indent="-171450" algn="l" defTabSz="685800" rtl="0" eaLnBrk="1" latinLnBrk="0" hangingPunct="1">
-                <a:lnSpc>
-                  <a:spcPct val="90000"/>
-                </a:lnSpc>
-                <a:spcBef>
-                  <a:spcPts val="750"/>
-                </a:spcBef>
-                <a:buFont typeface="Arial" panose="020B0604020202020204" pitchFamily="34" charset="0"/>
-                <a:buChar char="•"/>
-                <a:defRPr lang="en-US" sz="2100" kern="1200" dirty="0" smtClean="0">
-                  <a:solidFill>
-                    <a:schemeClr val="tx1"/>
-                  </a:solidFill>
-                  <a:latin typeface="+mn-lt"/>
-                  <a:ea typeface="+mn-ea"/>
-                  <a:cs typeface="+mn-cs"/>
-                </a:defRPr>
-              </a:lvl1pPr>
-              <a:lvl2pPr marL="514350" indent="-171450" algn="l" defTabSz="685800" rtl="0" eaLnBrk="1" latinLnBrk="0" hangingPunct="1">
-                <a:lnSpc>
-                  <a:spcPct val="90000"/>
-                </a:lnSpc>
-                <a:spcBef>
-                  <a:spcPts val="375"/>
-                </a:spcBef>
-                <a:buFont typeface="Arial" panose="020B0604020202020204" pitchFamily="34" charset="0"/>
-                <a:buChar char="•"/>
-                <a:defRPr lang="en-US" sz="1800" kern="1200" dirty="0" smtClean="0">
-                  <a:solidFill>
-                    <a:schemeClr val="tx1"/>
-                  </a:solidFill>
-                  <a:latin typeface="+mn-lt"/>
-                  <a:ea typeface="+mn-ea"/>
-                  <a:cs typeface="+mn-cs"/>
-                </a:defRPr>
-              </a:lvl2pPr>
-              <a:lvl3pPr marL="857250" indent="-171450" algn="l" defTabSz="685800" rtl="0" eaLnBrk="1" latinLnBrk="0" hangingPunct="1">
-                <a:lnSpc>
-                  <a:spcPct val="90000"/>
-                </a:lnSpc>
-                <a:spcBef>
-                  <a:spcPts val="375"/>
-                </a:spcBef>
-                <a:buFont typeface="Arial" panose="020B0604020202020204" pitchFamily="34" charset="0"/>
-                <a:buChar char="•"/>
-                <a:defRPr lang="en-US" sz="1500" kern="1200" dirty="0" smtClean="0">
-                  <a:solidFill>
-                    <a:schemeClr val="tx1"/>
-                  </a:solidFill>
-                  <a:latin typeface="+mn-lt"/>
-                  <a:ea typeface="+mn-ea"/>
-                  <a:cs typeface="+mn-cs"/>
-                </a:defRPr>
-              </a:lvl3pPr>
-              <a:lvl4pPr marL="1200150" indent="-171450" algn="l" defTabSz="685800" rtl="0" eaLnBrk="1" latinLnBrk="0" hangingPunct="1">
-                <a:lnSpc>
-                  <a:spcPct val="90000"/>
-                </a:lnSpc>
-                <a:spcBef>
-                  <a:spcPts val="375"/>
-                </a:spcBef>
-                <a:buFont typeface="Arial" panose="020B0604020202020204" pitchFamily="34" charset="0"/>
-                <a:buChar char="•"/>
-                <a:defRPr lang="en-US" sz="1350" kern="1200" dirty="0" smtClean="0">
-                  <a:solidFill>
-                    <a:schemeClr val="tx1"/>
-                  </a:solidFill>
-                  <a:latin typeface="+mn-lt"/>
-                  <a:ea typeface="+mn-ea"/>
-                  <a:cs typeface="+mn-cs"/>
-                </a:defRPr>
-              </a:lvl4pPr>
-              <a:lvl5pPr marL="1543050" indent="-171450" algn="l" defTabSz="685800" rtl="0" eaLnBrk="1" latinLnBrk="0" hangingPunct="1">
-                <a:lnSpc>
-                  <a:spcPct val="90000"/>
-                </a:lnSpc>
-                <a:spcBef>
-                  <a:spcPts val="375"/>
-                </a:spcBef>
-                <a:buFont typeface="Arial" panose="020B0604020202020204" pitchFamily="34" charset="0"/>
-                <a:buChar char="•"/>
-                <a:defRPr lang="en-US" sz="1350" kern="1200" dirty="0" smtClean="0">
-                  <a:solidFill>
-                    <a:schemeClr val="tx1"/>
-                  </a:solidFill>
-                  <a:latin typeface="+mn-lt"/>
-                  <a:ea typeface="+mn-ea"/>
-                  <a:cs typeface="+mn-cs"/>
-                </a:defRPr>
-              </a:lvl5pPr>
-              <a:lvl6pPr marL="1885950" indent="-171450" algn="l" defTabSz="685800" rtl="0" eaLnBrk="1" latinLnBrk="0" hangingPunct="1">
-                <a:lnSpc>
-                  <a:spcPct val="90000"/>
-                </a:lnSpc>
-                <a:spcBef>
-                  <a:spcPts val="375"/>
-                </a:spcBef>
-                <a:buFont typeface="Arial" panose="020B0604020202020204" pitchFamily="34" charset="0"/>
-                <a:buChar char="•"/>
-                <a:defRPr lang="en-US" sz="1350" kern="1200" dirty="0" smtClean="0">
-                  <a:solidFill>
-                    <a:schemeClr val="tx1"/>
-                  </a:solidFill>
-                  <a:latin typeface="+mn-lt"/>
-                  <a:ea typeface="+mn-ea"/>
-                  <a:cs typeface="+mn-cs"/>
-                </a:defRPr>
-              </a:lvl6pPr>
-              <a:lvl7pPr marL="2228850" indent="-171450" algn="l" defTabSz="685800" rtl="0" eaLnBrk="1" latinLnBrk="0" hangingPunct="1">
-                <a:lnSpc>
-                  <a:spcPct val="90000"/>
-                </a:lnSpc>
-                <a:spcBef>
-                  <a:spcPts val="375"/>
-                </a:spcBef>
-                <a:buFont typeface="Arial" panose="020B0604020202020204" pitchFamily="34" charset="0"/>
-                <a:buChar char="•"/>
-                <a:defRPr lang="en-US" sz="1350" kern="1200" dirty="0" smtClean="0">
-                  <a:solidFill>
-                    <a:schemeClr val="tx1"/>
-                  </a:solidFill>
-                  <a:latin typeface="+mn-lt"/>
-                  <a:ea typeface="+mn-ea"/>
-                  <a:cs typeface="+mn-cs"/>
-                </a:defRPr>
-              </a:lvl7pPr>
-              <a:lvl8pPr marL="2571750" indent="-171450" algn="l" defTabSz="685800" rtl="0" eaLnBrk="1" latinLnBrk="0" hangingPunct="1">
-                <a:lnSpc>
-                  <a:spcPct val="90000"/>
-                </a:lnSpc>
-                <a:spcBef>
-                  <a:spcPts val="375"/>
-                </a:spcBef>
-                <a:buFont typeface="Arial" panose="020B0604020202020204" pitchFamily="34" charset="0"/>
-                <a:buChar char="•"/>
-                <a:defRPr lang="en-US" sz="1350" kern="1200" dirty="0" smtClean="0">
-                  <a:solidFill>
-                    <a:schemeClr val="tx1"/>
-                  </a:solidFill>
-                  <a:latin typeface="+mn-lt"/>
-                  <a:ea typeface="+mn-ea"/>
-                  <a:cs typeface="+mn-cs"/>
-                </a:defRPr>
-              </a:lvl8pPr>
-              <a:lvl9pPr marL="2914650" indent="-171450" algn="l" defTabSz="685800" rtl="0" eaLnBrk="1" latinLnBrk="0" hangingPunct="1">
-                <a:lnSpc>
-                  <a:spcPct val="90000"/>
-                </a:lnSpc>
-                <a:spcBef>
-                  <a:spcPts val="375"/>
-                </a:spcBef>
-                <a:buFont typeface="Arial" panose="020B0604020202020204" pitchFamily="34" charset="0"/>
-                <a:buChar char="•"/>
-                <a:defRPr lang="en-US" sz="1350" kern="1200" dirty="0" smtClean="0">
-                  <a:solidFill>
-                    <a:schemeClr val="tx1"/>
-                  </a:solidFill>
-                  <a:latin typeface="+mn-lt"/>
-                  <a:ea typeface="+mn-ea"/>
-                  <a:cs typeface="+mn-cs"/>
-                </a:defRPr>
-              </a:lvl9pPr>
-            </a:lstStyle>
-            <a:p>
-              <a:pPr marL="0" indent="0">
-                <a:buFont typeface="Arial" panose="020B0604020202020204" pitchFamily="34" charset="0"/>
-                <a:buNone/>
-              </a:pPr>
-              <a:r>
-                <a:rPr lang="en-GB" sz="1500"/>
-                <a:t>Invision does not allow for demonstrating the interactivity and power of Tableau.</a:t>
-              </a:r>
-            </a:p>
-          </p:txBody>
-        </p:sp>
-      </p:grpSp>
-      <p:grpSp>
-        <p:nvGrpSpPr>
           <p:cNvPr id="27" name="Group 26">
             <a:extLst>
               <a:ext uri="{FF2B5EF4-FFF2-40B4-BE49-F238E27FC236}">
@@ -15357,10 +14555,10 @@
         </p:nvGrpSpPr>
         <p:grpSpPr>
           <a:xfrm>
-            <a:off x="291023" y="3193551"/>
-            <a:ext cx="8274588" cy="725454"/>
+            <a:off x="311095" y="3842081"/>
+            <a:ext cx="8204255" cy="725454"/>
             <a:chOff x="415582" y="5148874"/>
-            <a:chExt cx="8553732" cy="914400"/>
+            <a:chExt cx="8481026" cy="914400"/>
           </a:xfrm>
         </p:grpSpPr>
         <p:grpSp>
@@ -15403,10 +14601,10 @@
               <p:nvPr/>
             </p:nvPicPr>
             <p:blipFill>
-              <a:blip r:embed="rId5">
+              <a:blip r:embed="rId3">
                 <a:extLst>
                   <a:ext uri="{96DAC541-7B7A-43D3-8B79-37D633B846F1}">
-                    <asvg:svgBlip xmlns:asvg="http://schemas.microsoft.com/office/drawing/2016/SVG/main" r:embed="rId6"/>
+                    <asvg:svgBlip xmlns:asvg="http://schemas.microsoft.com/office/drawing/2016/SVG/main" r:embed="rId4"/>
                   </a:ext>
                 </a:extLst>
               </a:blip>
@@ -15439,10 +14637,10 @@
               <p:nvPr/>
             </p:nvPicPr>
             <p:blipFill>
-              <a:blip r:embed="rId5">
+              <a:blip r:embed="rId3">
                 <a:extLst>
                   <a:ext uri="{96DAC541-7B7A-43D3-8B79-37D633B846F1}">
-                    <asvg:svgBlip xmlns:asvg="http://schemas.microsoft.com/office/drawing/2016/SVG/main" r:embed="rId6"/>
+                    <asvg:svgBlip xmlns:asvg="http://schemas.microsoft.com/office/drawing/2016/SVG/main" r:embed="rId4"/>
                   </a:ext>
                 </a:extLst>
               </a:blip>
@@ -15477,7 +14675,7 @@
           </p:nvSpPr>
           <p:spPr bwMode="gray">
             <a:xfrm>
-              <a:off x="1874800" y="5227391"/>
+              <a:off x="1802094" y="5227764"/>
               <a:ext cx="7094514" cy="390618"/>
             </a:xfrm>
             <a:prstGeom prst="rect">
@@ -15658,7 +14856,7 @@
                 <a:buNone/>
               </a:pPr>
               <a:r>
-                <a:rPr lang="en-GB" sz="1500"/>
+                <a:rPr lang="en-GB" sz="1500" dirty="0"/>
                 <a:t>Invision has to be used on Microsoft Edge (for creators and viewers)</a:t>
               </a:r>
             </a:p>
@@ -15680,9 +14878,9 @@
         <p:grpSpPr>
           <a:xfrm>
             <a:off x="384443" y="1091343"/>
-            <a:ext cx="8162048" cy="725454"/>
+            <a:ext cx="8130904" cy="725454"/>
             <a:chOff x="415582" y="2475341"/>
-            <a:chExt cx="8437395" cy="914400"/>
+            <a:chExt cx="8405200" cy="914400"/>
           </a:xfrm>
         </p:grpSpPr>
         <p:sp>
@@ -15701,7 +14899,7 @@
           </p:nvSpPr>
           <p:spPr bwMode="gray">
             <a:xfrm>
-              <a:off x="1758463" y="2553860"/>
+              <a:off x="1726268" y="2548575"/>
               <a:ext cx="7094514" cy="580032"/>
             </a:xfrm>
             <a:prstGeom prst="rect">
@@ -15881,7 +15079,7 @@
                 <a:buNone/>
               </a:pPr>
               <a:r>
-                <a:rPr lang="en-GB" sz="1500"/>
+                <a:rPr lang="en-GB" sz="1500" dirty="0"/>
                 <a:t>Invision is a good collaboration tool when creating visualisations and allows multiple users to edit at the same time.</a:t>
               </a:r>
             </a:p>
@@ -15996,9 +15194,9 @@
         <p:grpSpPr>
           <a:xfrm>
             <a:off x="353303" y="1792079"/>
-            <a:ext cx="8205871" cy="725454"/>
+            <a:ext cx="8162048" cy="725454"/>
             <a:chOff x="353303" y="2045730"/>
-            <a:chExt cx="8205871" cy="725454"/>
+            <a:chExt cx="8162048" cy="725454"/>
           </a:xfrm>
         </p:grpSpPr>
         <p:grpSp>
@@ -16331,7 +15529,7 @@
           </p:nvSpPr>
           <p:spPr bwMode="gray">
             <a:xfrm>
-              <a:off x="1696183" y="2153213"/>
+              <a:off x="1652357" y="2147953"/>
               <a:ext cx="6862991" cy="460178"/>
             </a:xfrm>
             <a:prstGeom prst="rect">
@@ -16511,7 +15709,7 @@
                 <a:buNone/>
               </a:pPr>
               <a:r>
-                <a:rPr lang="en-GB" sz="1500"/>
+                <a:rPr lang="en-GB" sz="1500" dirty="0"/>
                 <a:t>Invision would allow for an interactive session with stakeholders to gather requirements.</a:t>
               </a:r>
             </a:p>
@@ -16532,10 +15730,10 @@
         </p:nvGrpSpPr>
         <p:grpSpPr>
           <a:xfrm>
-            <a:off x="322163" y="3894287"/>
-            <a:ext cx="8254516" cy="759862"/>
+            <a:off x="311095" y="2502505"/>
+            <a:ext cx="8204253" cy="759862"/>
             <a:chOff x="415582" y="5766657"/>
-            <a:chExt cx="8254516" cy="759862"/>
+            <a:chExt cx="8204253" cy="759862"/>
           </a:xfrm>
         </p:grpSpPr>
         <p:sp>
@@ -16554,7 +15752,7 @@
           </p:nvSpPr>
           <p:spPr bwMode="gray">
             <a:xfrm>
-              <a:off x="1807107" y="5801065"/>
+              <a:off x="1756844" y="5863991"/>
               <a:ext cx="6862991" cy="271077"/>
             </a:xfrm>
             <a:prstGeom prst="rect">
@@ -16735,7 +15933,7 @@
                 <a:buNone/>
               </a:pPr>
               <a:r>
-                <a:rPr lang="en-GB" sz="1500"/>
+                <a:rPr lang="en-GB" sz="1500" dirty="0"/>
                 <a:t>Licences are not required to allow for collaboration with stakeholders.</a:t>
               </a:r>
             </a:p>
@@ -16828,7 +16026,7 @@
         </p:nvGrpSpPr>
         <p:grpSpPr>
           <a:xfrm>
-            <a:off x="353303" y="4629431"/>
+            <a:off x="317106" y="3198396"/>
             <a:ext cx="8198244" cy="759862"/>
             <a:chOff x="415582" y="5766657"/>
             <a:chExt cx="8198244" cy="759862"/>
@@ -17031,15 +16229,15 @@
                 <a:buNone/>
               </a:pPr>
               <a:r>
-                <a:rPr lang="en-GB" sz="1500"/>
+                <a:rPr lang="en-GB" sz="1500" dirty="0"/>
                 <a:t>Spin off use in general Idea co-authoring and collaboration, </a:t>
               </a:r>
               <a:r>
-                <a:rPr lang="en-GB" sz="1500" err="1"/>
+                <a:rPr lang="en-GB" sz="1500" dirty="0" err="1"/>
                 <a:t>Eg</a:t>
               </a:r>
               <a:r>
-                <a:rPr lang="en-GB" sz="1500"/>
+                <a:rPr lang="en-GB" sz="1500" dirty="0"/>
                 <a:t>: Team building activity templates</a:t>
               </a:r>
             </a:p>
@@ -17132,10 +16330,10 @@
         </p:nvGrpSpPr>
         <p:grpSpPr>
           <a:xfrm>
-            <a:off x="415582" y="5364575"/>
-            <a:ext cx="8156040" cy="759862"/>
+            <a:off x="311095" y="4585333"/>
+            <a:ext cx="8204254" cy="759862"/>
             <a:chOff x="415582" y="5766657"/>
-            <a:chExt cx="8156040" cy="759862"/>
+            <a:chExt cx="8204254" cy="759862"/>
           </a:xfrm>
         </p:grpSpPr>
         <p:sp>
@@ -17154,7 +16352,7 @@
           </p:nvSpPr>
           <p:spPr bwMode="gray">
             <a:xfrm>
-              <a:off x="1708631" y="5801065"/>
+              <a:off x="1756845" y="5801065"/>
               <a:ext cx="6862991" cy="663161"/>
             </a:xfrm>
             <a:prstGeom prst="rect">
@@ -17335,8 +16533,16 @@
                 <a:buNone/>
               </a:pPr>
               <a:r>
-                <a:rPr lang="en-GB" sz="1500"/>
-                <a:t>Invision Studio installation issues identified and being worked through with VCSe teams</a:t>
+                <a:rPr lang="en-GB" sz="1500" dirty="0"/>
+                <a:t>Invision Studio installation issues identified and being worked through with </a:t>
+              </a:r>
+              <a:r>
+                <a:rPr lang="en-GB" sz="1500" dirty="0" err="1"/>
+                <a:t>VCSe</a:t>
+              </a:r>
+              <a:r>
+                <a:rPr lang="en-GB" sz="1500" dirty="0"/>
+                <a:t> teams</a:t>
               </a:r>
             </a:p>
           </p:txBody>
@@ -17356,10 +16562,10 @@
             <p:nvPr/>
           </p:nvPicPr>
           <p:blipFill>
-            <a:blip r:embed="rId5">
+            <a:blip r:embed="rId3">
               <a:extLst>
                 <a:ext uri="{96DAC541-7B7A-43D3-8B79-37D633B846F1}">
-                  <asvg:svgBlip xmlns:asvg="http://schemas.microsoft.com/office/drawing/2016/SVG/main" r:embed="rId6"/>
+                  <asvg:svgBlip xmlns:asvg="http://schemas.microsoft.com/office/drawing/2016/SVG/main" r:embed="rId4"/>
                 </a:ext>
               </a:extLst>
             </a:blip>
@@ -17392,10 +16598,10 @@
             <p:nvPr/>
           </p:nvPicPr>
           <p:blipFill>
-            <a:blip r:embed="rId5">
+            <a:blip r:embed="rId3">
               <a:extLst>
                 <a:ext uri="{96DAC541-7B7A-43D3-8B79-37D633B846F1}">
-                  <asvg:svgBlip xmlns:asvg="http://schemas.microsoft.com/office/drawing/2016/SVG/main" r:embed="rId6"/>
+                  <asvg:svgBlip xmlns:asvg="http://schemas.microsoft.com/office/drawing/2016/SVG/main" r:embed="rId4"/>
                 </a:ext>
               </a:extLst>
             </a:blip>
@@ -17427,216 +16633,7 @@
 </p:sld>
 </file>
 
-<file path=ppt/slides/slide13.xml><?xml version="1.0" encoding="utf-8"?>
-<p:sld xmlns:a="http://schemas.openxmlformats.org/drawingml/2006/main" xmlns:r="http://schemas.openxmlformats.org/officeDocument/2006/relationships" xmlns:p="http://schemas.openxmlformats.org/presentationml/2006/main">
-  <p:cSld>
-    <p:spTree>
-      <p:nvGrpSpPr>
-        <p:cNvPr id="1" name=""/>
-        <p:cNvGrpSpPr/>
-        <p:nvPr/>
-      </p:nvGrpSpPr>
-      <p:grpSpPr>
-        <a:xfrm>
-          <a:off x="0" y="0"/>
-          <a:ext cx="0" cy="0"/>
-          <a:chOff x="0" y="0"/>
-          <a:chExt cx="0" cy="0"/>
-        </a:xfrm>
-      </p:grpSpPr>
-      <p:sp>
-        <p:nvSpPr>
-          <p:cNvPr id="4" name="Slide Number Placeholder 3">
-            <a:extLst>
-              <a:ext uri="{FF2B5EF4-FFF2-40B4-BE49-F238E27FC236}">
-                <a16:creationId xmlns:a16="http://schemas.microsoft.com/office/drawing/2014/main" id="{F11796CF-593E-4FC3-BFA8-8DA4ADEF5EF9}"/>
-              </a:ext>
-            </a:extLst>
-          </p:cNvPr>
-          <p:cNvSpPr>
-            <a:spLocks noGrp="1"/>
-          </p:cNvSpPr>
-          <p:nvPr>
-            <p:ph type="sldNum" sz="quarter" idx="13"/>
-          </p:nvPr>
-        </p:nvSpPr>
-        <p:spPr/>
-        <p:txBody>
-          <a:bodyPr/>
-          <a:lstStyle/>
-          <a:p>
-            <a:fld id="{08BDDC8D-36E9-467E-8CF1-750845950A7F}" type="slidenum">
-              <a:rPr lang="en-GB" sz="800" noProof="0" smtClean="0"/>
-              <a:pPr/>
-              <a:t>13</a:t>
-            </a:fld>
-            <a:endParaRPr lang="en-GB" sz="800" noProof="0"/>
-          </a:p>
-        </p:txBody>
-      </p:sp>
-      <p:sp>
-        <p:nvSpPr>
-          <p:cNvPr id="5" name="Title 4">
-            <a:extLst>
-              <a:ext uri="{FF2B5EF4-FFF2-40B4-BE49-F238E27FC236}">
-                <a16:creationId xmlns:a16="http://schemas.microsoft.com/office/drawing/2014/main" id="{9663FB9E-8BF6-4C95-8927-F0FF4D7A1985}"/>
-              </a:ext>
-            </a:extLst>
-          </p:cNvPr>
-          <p:cNvSpPr>
-            <a:spLocks noGrp="1"/>
-          </p:cNvSpPr>
-          <p:nvPr>
-            <p:ph type="title"/>
-          </p:nvPr>
-        </p:nvSpPr>
-        <p:spPr/>
-        <p:txBody>
-          <a:bodyPr/>
-          <a:lstStyle/>
-          <a:p>
-            <a:r>
-              <a:rPr lang="en-GB" sz="3200"/>
-              <a:t>The A Team</a:t>
-            </a:r>
-          </a:p>
-        </p:txBody>
-      </p:sp>
-      <p:sp>
-        <p:nvSpPr>
-          <p:cNvPr id="6" name="TextBox 5">
-            <a:extLst>
-              <a:ext uri="{FF2B5EF4-FFF2-40B4-BE49-F238E27FC236}">
-                <a16:creationId xmlns:a16="http://schemas.microsoft.com/office/drawing/2014/main" id="{51900B03-D75F-4AFB-B077-1A84A1366CF3}"/>
-              </a:ext>
-            </a:extLst>
-          </p:cNvPr>
-          <p:cNvSpPr txBox="1"/>
-          <p:nvPr/>
-        </p:nvSpPr>
-        <p:spPr>
-          <a:xfrm>
-            <a:off x="3362178" y="1268291"/>
-            <a:ext cx="5153172" cy="3046988"/>
-          </a:xfrm>
-          <a:prstGeom prst="rect">
-            <a:avLst/>
-          </a:prstGeom>
-          <a:noFill/>
-        </p:spPr>
-        <p:txBody>
-          <a:bodyPr wrap="square" rtlCol="0">
-            <a:spAutoFit/>
-          </a:bodyPr>
-          <a:lstStyle/>
-          <a:p>
-            <a:pPr algn="ctr"/>
-            <a:r>
-              <a:rPr lang="en-GB" sz="2400"/>
-              <a:t>Piotr Piech</a:t>
-            </a:r>
-          </a:p>
-          <a:p>
-            <a:pPr algn="ctr"/>
-            <a:r>
-              <a:rPr lang="en-GB" sz="2400"/>
-              <a:t>Mandy Cadman</a:t>
-            </a:r>
-          </a:p>
-          <a:p>
-            <a:pPr algn="ctr"/>
-            <a:r>
-              <a:rPr lang="en-GB" sz="2400"/>
-              <a:t>Saransh Bansal</a:t>
-            </a:r>
-          </a:p>
-          <a:p>
-            <a:pPr algn="ctr"/>
-            <a:r>
-              <a:rPr lang="en-GB" sz="2400"/>
-              <a:t>Timea Kosa</a:t>
-            </a:r>
-          </a:p>
-          <a:p>
-            <a:pPr algn="ctr"/>
-            <a:r>
-              <a:rPr lang="en-GB" sz="2400"/>
-              <a:t>Basil Marinelis</a:t>
-            </a:r>
-          </a:p>
-          <a:p>
-            <a:pPr algn="ctr"/>
-            <a:r>
-              <a:rPr lang="en-GB" sz="2400"/>
-              <a:t>Anushile Agarwal</a:t>
-            </a:r>
-          </a:p>
-          <a:p>
-            <a:pPr algn="ctr"/>
-            <a:r>
-              <a:rPr lang="en-GB" sz="2400"/>
-              <a:t>Sudeep Pournami</a:t>
-            </a:r>
-          </a:p>
-          <a:p>
-            <a:pPr algn="ctr"/>
-            <a:r>
-              <a:rPr lang="en-GB" sz="2400"/>
-              <a:t>Jonathan Carroll</a:t>
-            </a:r>
-          </a:p>
-        </p:txBody>
-      </p:sp>
-      <p:pic>
-        <p:nvPicPr>
-          <p:cNvPr id="8" name="Graphic 7" descr="Group brainstorm">
-            <a:extLst>
-              <a:ext uri="{FF2B5EF4-FFF2-40B4-BE49-F238E27FC236}">
-                <a16:creationId xmlns:a16="http://schemas.microsoft.com/office/drawing/2014/main" id="{8266ED5B-14CF-4EDF-9483-B247F42ECA7E}"/>
-              </a:ext>
-            </a:extLst>
-          </p:cNvPr>
-          <p:cNvPicPr>
-            <a:picLocks noChangeAspect="1"/>
-          </p:cNvPicPr>
-          <p:nvPr/>
-        </p:nvPicPr>
-        <p:blipFill>
-          <a:blip r:embed="rId2">
-            <a:extLst>
-              <a:ext uri="{96DAC541-7B7A-43D3-8B79-37D633B846F1}">
-                <asvg:svgBlip xmlns:asvg="http://schemas.microsoft.com/office/drawing/2016/SVG/main" r:embed="rId3"/>
-              </a:ext>
-            </a:extLst>
-          </a:blip>
-          <a:stretch>
-            <a:fillRect/>
-          </a:stretch>
-        </p:blipFill>
-        <p:spPr>
-          <a:xfrm>
-            <a:off x="816486" y="1633804"/>
-            <a:ext cx="2428243" cy="2428243"/>
-          </a:xfrm>
-          <a:prstGeom prst="rect">
-            <a:avLst/>
-          </a:prstGeom>
-        </p:spPr>
-      </p:pic>
-    </p:spTree>
-    <p:extLst>
-      <p:ext uri="{BB962C8B-B14F-4D97-AF65-F5344CB8AC3E}">
-        <p14:creationId xmlns:p14="http://schemas.microsoft.com/office/powerpoint/2010/main" val="2159990030"/>
-      </p:ext>
-    </p:extLst>
-  </p:cSld>
-  <p:clrMapOvr>
-    <a:masterClrMapping/>
-  </p:clrMapOvr>
-</p:sld>
-</file>
-
-<file path=ppt/slides/slide14.xml><?xml version="1.0" encoding="utf-8"?>
+<file path=ppt/slides/slide11.xml><?xml version="1.0" encoding="utf-8"?>
 <p:sld xmlns:a="http://schemas.openxmlformats.org/drawingml/2006/main" xmlns:r="http://schemas.openxmlformats.org/officeDocument/2006/relationships" xmlns:p="http://schemas.openxmlformats.org/presentationml/2006/main">
   <p:cSld>
     <p:spTree>
@@ -19190,7 +18187,7 @@
               <a:buChar char="•"/>
             </a:pPr>
             <a:r>
-              <a:rPr lang="en-GB" altLang="en-US" sz="2000">
+              <a:rPr lang="en-GB" altLang="en-US" sz="2000" dirty="0">
                 <a:latin typeface="+mj-lt"/>
                 <a:cs typeface="Segoe UI" panose="020B0502040204020203" pitchFamily="34" charset="0"/>
               </a:rPr>
@@ -19362,16 +18359,16 @@
           <a:lstStyle/>
           <a:p>
             <a:r>
-              <a:rPr lang="en-GB"/>
+              <a:rPr lang="en-GB" dirty="0"/>
               <a:t>Allows design teams to create interactive prototypes of web and mobile applications and gather instant feedback from key stakeholders through social and collaborative capabilities.</a:t>
             </a:r>
           </a:p>
           <a:p>
-            <a:endParaRPr lang="en-GB"/>
-          </a:p>
-          <a:p>
-            <a:r>
-              <a:rPr lang="en-GB"/>
+            <a:endParaRPr lang="en-GB" dirty="0"/>
+          </a:p>
+          <a:p>
+            <a:r>
+              <a:rPr lang="en-GB" dirty="0"/>
               <a:t>Large interest in multiple areas in Natwest group as the go to tool for UI design collaboration.</a:t>
             </a:r>
           </a:p>
@@ -19439,10 +18436,10 @@
       </p:grpSpPr>
       <p:sp>
         <p:nvSpPr>
-          <p:cNvPr id="5" name="Title 4">
+          <p:cNvPr id="2" name="Title 1">
             <a:extLst>
               <a:ext uri="{FF2B5EF4-FFF2-40B4-BE49-F238E27FC236}">
-                <a16:creationId xmlns:a16="http://schemas.microsoft.com/office/drawing/2014/main" id="{9663FB9E-8BF6-4C95-8927-F0FF4D7A1985}"/>
+                <a16:creationId xmlns:a16="http://schemas.microsoft.com/office/drawing/2014/main" id="{B9468803-3B46-4B5F-B6E5-A4D8B9698964}"/>
               </a:ext>
             </a:extLst>
           </p:cNvPr>
@@ -19453,14 +18450,19 @@
             <p:ph type="title"/>
           </p:nvPr>
         </p:nvSpPr>
-        <p:spPr/>
+        <p:spPr>
+          <a:xfrm>
+            <a:off x="196389" y="136524"/>
+            <a:ext cx="7133666" cy="1325563"/>
+          </a:xfrm>
+        </p:spPr>
         <p:txBody>
           <a:bodyPr/>
           <a:lstStyle/>
           <a:p>
             <a:r>
               <a:rPr lang="en-GB"/>
-              <a:t>Invision spike setup</a:t>
+              <a:t>Proposed Agile Apps design operating model</a:t>
             </a:r>
           </a:p>
         </p:txBody>
@@ -19470,7 +18472,7 @@
           <p:cNvPr id="4" name="Slide Number Placeholder 3">
             <a:extLst>
               <a:ext uri="{FF2B5EF4-FFF2-40B4-BE49-F238E27FC236}">
-                <a16:creationId xmlns:a16="http://schemas.microsoft.com/office/drawing/2014/main" id="{F11796CF-593E-4FC3-BFA8-8DA4ADEF5EF9}"/>
+                <a16:creationId xmlns:a16="http://schemas.microsoft.com/office/drawing/2014/main" id="{1736966F-AB39-4D3B-9B5F-CE52A8B24B30}"/>
               </a:ext>
             </a:extLst>
           </p:cNvPr>
@@ -19486,281 +18488,184 @@
           <a:bodyPr/>
           <a:lstStyle/>
           <a:p>
-            <a:fld id="{08BDDC8D-36E9-467E-8CF1-750845950A7F}" type="slidenum">
-              <a:rPr lang="en-GB" noProof="0" smtClean="0"/>
-              <a:pPr/>
+            <a:pPr marL="0" marR="0" lvl="0" indent="0" algn="r" defTabSz="914400" rtl="0" eaLnBrk="1" fontAlgn="auto" latinLnBrk="0" hangingPunct="1">
+              <a:lnSpc>
+                <a:spcPct val="100000"/>
+              </a:lnSpc>
+              <a:spcBef>
+                <a:spcPts val="0"/>
+              </a:spcBef>
+              <a:spcAft>
+                <a:spcPts val="0"/>
+              </a:spcAft>
+              <a:buClrTx/>
+              <a:buSzTx/>
+              <a:buFontTx/>
+              <a:buNone/>
+              <a:tabLst/>
+              <a:defRPr/>
+            </a:pPr>
+            <a:fld id="{63E01DB9-4BD9-4C43-A10E-8D4F70EA4320}" type="slidenum">
+              <a:rPr kumimoji="0" lang="en-US" sz="900" b="0" i="0" u="none" strike="noStrike" kern="1200" cap="none" spc="0" normalizeH="0" baseline="0" noProof="0" smtClean="0">
+                <a:ln>
+                  <a:noFill/>
+                </a:ln>
+                <a:solidFill>
+                  <a:srgbClr val="42145F">
+                    <a:tint val="75000"/>
+                  </a:srgbClr>
+                </a:solidFill>
+                <a:effectLst/>
+                <a:uLnTx/>
+                <a:uFillTx/>
+                <a:latin typeface="RN House Sans Regular"/>
+                <a:ea typeface="+mn-ea"/>
+                <a:cs typeface="+mn-cs"/>
+              </a:rPr>
+              <a:pPr marL="0" marR="0" lvl="0" indent="0" algn="r" defTabSz="914400" rtl="0" eaLnBrk="1" fontAlgn="auto" latinLnBrk="0" hangingPunct="1">
+                <a:lnSpc>
+                  <a:spcPct val="100000"/>
+                </a:lnSpc>
+                <a:spcBef>
+                  <a:spcPts val="0"/>
+                </a:spcBef>
+                <a:spcAft>
+                  <a:spcPts val="0"/>
+                </a:spcAft>
+                <a:buClrTx/>
+                <a:buSzTx/>
+                <a:buFontTx/>
+                <a:buNone/>
+                <a:tabLst/>
+                <a:defRPr/>
+              </a:pPr>
               <a:t>6</a:t>
             </a:fld>
-            <a:endParaRPr lang="en-GB" noProof="0"/>
+            <a:endParaRPr kumimoji="0" lang="en-US" sz="900" b="0" i="0" u="none" strike="noStrike" kern="1200" cap="none" spc="0" normalizeH="0" baseline="0" noProof="0">
+              <a:ln>
+                <a:noFill/>
+              </a:ln>
+              <a:solidFill>
+                <a:srgbClr val="42145F">
+                  <a:tint val="75000"/>
+                </a:srgbClr>
+              </a:solidFill>
+              <a:effectLst/>
+              <a:uLnTx/>
+              <a:uFillTx/>
+              <a:latin typeface="RN House Sans Regular"/>
+              <a:ea typeface="+mn-ea"/>
+              <a:cs typeface="+mn-cs"/>
+            </a:endParaRPr>
           </a:p>
         </p:txBody>
       </p:sp>
-      <p:pic>
-        <p:nvPicPr>
-          <p:cNvPr id="7" name="Graphic 6" descr="Daily calendar">
+      <p:graphicFrame>
+        <p:nvGraphicFramePr>
+          <p:cNvPr id="3" name="Diagram 4">
             <a:extLst>
               <a:ext uri="{FF2B5EF4-FFF2-40B4-BE49-F238E27FC236}">
-                <a16:creationId xmlns:a16="http://schemas.microsoft.com/office/drawing/2014/main" id="{7CB1EFD7-5BA1-4BE3-903C-F85B915D56BF}"/>
+                <a16:creationId xmlns:a16="http://schemas.microsoft.com/office/drawing/2014/main" id="{E12DB2F9-0F19-4E42-BAE1-8773D2AC356C}"/>
               </a:ext>
             </a:extLst>
           </p:cNvPr>
-          <p:cNvPicPr>
-            <a:picLocks noChangeAspect="1"/>
-          </p:cNvPicPr>
-          <p:nvPr/>
-        </p:nvPicPr>
-        <p:blipFill>
-          <a:blip r:embed="rId2">
-            <a:extLst>
-              <a:ext uri="{96DAC541-7B7A-43D3-8B79-37D633B846F1}">
-                <asvg:svgBlip xmlns:asvg="http://schemas.microsoft.com/office/drawing/2016/SVG/main" r:embed="rId3"/>
-              </a:ext>
-            </a:extLst>
-          </a:blip>
-          <a:stretch>
-            <a:fillRect/>
-          </a:stretch>
-        </p:blipFill>
-        <p:spPr>
-          <a:xfrm>
-            <a:off x="837032" y="1508760"/>
-            <a:ext cx="914400" cy="914400"/>
-          </a:xfrm>
-          <a:prstGeom prst="rect">
-            <a:avLst/>
-          </a:prstGeom>
-        </p:spPr>
-      </p:pic>
+          <p:cNvGraphicFramePr/>
+          <p:nvPr>
+            <p:extLst>
+              <p:ext uri="{D42A27DB-BD31-4B8C-83A1-F6EECF244321}">
+                <p14:modId xmlns:p14="http://schemas.microsoft.com/office/powerpoint/2010/main" val="3725865320"/>
+              </p:ext>
+            </p:extLst>
+          </p:nvPr>
+        </p:nvGraphicFramePr>
+        <p:xfrm>
+          <a:off x="1210235" y="1331258"/>
+          <a:ext cx="5773270" cy="2133601"/>
+        </p:xfrm>
+        <a:graphic>
+          <a:graphicData uri="http://schemas.openxmlformats.org/drawingml/2006/diagram">
+            <dgm:relIds xmlns:dgm="http://schemas.openxmlformats.org/drawingml/2006/diagram" xmlns:r="http://schemas.openxmlformats.org/officeDocument/2006/relationships" r:dm="rId2" r:lo="rId3" r:qs="rId4" r:cs="rId5"/>
+          </a:graphicData>
+        </a:graphic>
+      </p:graphicFrame>
       <p:sp>
         <p:nvSpPr>
-          <p:cNvPr id="9" name="TextBox 8">
+          <p:cNvPr id="1688" name="Arrow: Down 1687">
             <a:extLst>
               <a:ext uri="{FF2B5EF4-FFF2-40B4-BE49-F238E27FC236}">
-                <a16:creationId xmlns:a16="http://schemas.microsoft.com/office/drawing/2014/main" id="{2688F99B-DDC1-43A7-8A3E-6C8281D58BE9}"/>
+                <a16:creationId xmlns:a16="http://schemas.microsoft.com/office/drawing/2014/main" id="{5E8B219E-F04A-4690-88BC-5841B1A989A8}"/>
               </a:ext>
             </a:extLst>
           </p:cNvPr>
-          <p:cNvSpPr txBox="1"/>
+          <p:cNvSpPr/>
           <p:nvPr/>
         </p:nvSpPr>
         <p:spPr>
           <a:xfrm>
-            <a:off x="3052695" y="1735127"/>
-            <a:ext cx="5496226" cy="400110"/>
+            <a:off x="3917308" y="3468713"/>
+            <a:ext cx="358589" cy="304799"/>
           </a:xfrm>
-          <a:prstGeom prst="rect">
+          <a:prstGeom prst="downArrow">
             <a:avLst/>
           </a:prstGeom>
-          <a:noFill/>
         </p:spPr>
+        <p:style>
+          <a:lnRef idx="2">
+            <a:schemeClr val="accent1">
+              <a:shade val="50000"/>
+            </a:schemeClr>
+          </a:lnRef>
+          <a:fillRef idx="1">
+            <a:schemeClr val="accent1"/>
+          </a:fillRef>
+          <a:effectRef idx="0">
+            <a:schemeClr val="accent1"/>
+          </a:effectRef>
+          <a:fontRef idx="minor">
+            <a:schemeClr val="lt1"/>
+          </a:fontRef>
+        </p:style>
         <p:txBody>
-          <a:bodyPr wrap="square" rtlCol="0">
-            <a:spAutoFit/>
-          </a:bodyPr>
+          <a:bodyPr rtlCol="0" anchor="ctr"/>
           <a:lstStyle/>
           <a:p>
             <a:pPr algn="ctr"/>
-            <a:r>
-              <a:rPr lang="en-GB" sz="2000"/>
-              <a:t>11</a:t>
-            </a:r>
-            <a:r>
-              <a:rPr lang="en-GB" sz="2000" baseline="30000"/>
-              <a:t>th</a:t>
-            </a:r>
-            <a:r>
-              <a:rPr lang="en-GB" sz="2000"/>
-              <a:t> Aug 2020 – 14</a:t>
-            </a:r>
-            <a:r>
-              <a:rPr lang="en-GB" sz="2000" baseline="30000"/>
-              <a:t>th</a:t>
-            </a:r>
-            <a:r>
-              <a:rPr lang="en-GB" sz="2000"/>
-              <a:t> Aug 2020</a:t>
-            </a:r>
+            <a:endParaRPr lang="en-GB"/>
           </a:p>
         </p:txBody>
       </p:sp>
-      <p:pic>
-        <p:nvPicPr>
-          <p:cNvPr id="11" name="Graphic 10" descr="Group brainstorm">
+      <p:graphicFrame>
+        <p:nvGraphicFramePr>
+          <p:cNvPr id="1746" name="Diagram 1746">
             <a:extLst>
               <a:ext uri="{FF2B5EF4-FFF2-40B4-BE49-F238E27FC236}">
-                <a16:creationId xmlns:a16="http://schemas.microsoft.com/office/drawing/2014/main" id="{DFE868A3-F519-43CC-9357-1772F3A65CA3}"/>
+                <a16:creationId xmlns:a16="http://schemas.microsoft.com/office/drawing/2014/main" id="{5255E623-0FEC-495B-A517-28D3D184D5ED}"/>
               </a:ext>
             </a:extLst>
           </p:cNvPr>
-          <p:cNvPicPr>
-            <a:picLocks noChangeAspect="1"/>
-          </p:cNvPicPr>
-          <p:nvPr/>
-        </p:nvPicPr>
-        <p:blipFill>
-          <a:blip r:embed="rId4">
-            <a:extLst>
-              <a:ext uri="{96DAC541-7B7A-43D3-8B79-37D633B846F1}">
-                <asvg:svgBlip xmlns:asvg="http://schemas.microsoft.com/office/drawing/2016/SVG/main" r:embed="rId5"/>
-              </a:ext>
-            </a:extLst>
-          </a:blip>
-          <a:stretch>
-            <a:fillRect/>
-          </a:stretch>
-        </p:blipFill>
-        <p:spPr>
-          <a:xfrm>
-            <a:off x="837032" y="2763986"/>
-            <a:ext cx="914400" cy="914400"/>
-          </a:xfrm>
-          <a:prstGeom prst="rect">
-            <a:avLst/>
-          </a:prstGeom>
-        </p:spPr>
-      </p:pic>
-      <p:sp>
-        <p:nvSpPr>
-          <p:cNvPr id="12" name="TextBox 11">
-            <a:extLst>
-              <a:ext uri="{FF2B5EF4-FFF2-40B4-BE49-F238E27FC236}">
-                <a16:creationId xmlns:a16="http://schemas.microsoft.com/office/drawing/2014/main" id="{98261B55-10B1-4685-87A2-98973BC46B74}"/>
-              </a:ext>
-            </a:extLst>
-          </p:cNvPr>
-          <p:cNvSpPr txBox="1"/>
-          <p:nvPr/>
-        </p:nvSpPr>
-        <p:spPr>
-          <a:xfrm>
-            <a:off x="3507948" y="2763986"/>
-            <a:ext cx="4714752" cy="1015663"/>
-          </a:xfrm>
-          <a:prstGeom prst="rect">
-            <a:avLst/>
-          </a:prstGeom>
-          <a:noFill/>
-        </p:spPr>
-        <p:txBody>
-          <a:bodyPr wrap="none" rtlCol="0">
-            <a:spAutoFit/>
-          </a:bodyPr>
-          <a:lstStyle/>
-          <a:p>
-            <a:pPr algn="ctr"/>
-            <a:r>
-              <a:rPr lang="en-GB" sz="2000"/>
-              <a:t>Developers, Designer from Agile Apps</a:t>
-            </a:r>
-          </a:p>
-          <a:p>
-            <a:pPr algn="ctr"/>
-            <a:r>
-              <a:rPr lang="en-GB" sz="2000"/>
-              <a:t>Data Engineers from Data Engineering</a:t>
-            </a:r>
-          </a:p>
-          <a:p>
-            <a:pPr algn="ctr"/>
-            <a:r>
-              <a:rPr lang="en-GB" sz="2000"/>
-              <a:t>SME support from Invision</a:t>
-            </a:r>
-          </a:p>
-        </p:txBody>
-      </p:sp>
-      <p:sp>
-        <p:nvSpPr>
-          <p:cNvPr id="14" name="TextBox 13">
-            <a:extLst>
-              <a:ext uri="{FF2B5EF4-FFF2-40B4-BE49-F238E27FC236}">
-                <a16:creationId xmlns:a16="http://schemas.microsoft.com/office/drawing/2014/main" id="{CB195D86-9716-4FF8-9FB1-67B125F66B89}"/>
-              </a:ext>
-            </a:extLst>
-          </p:cNvPr>
-          <p:cNvSpPr txBox="1"/>
-          <p:nvPr/>
-        </p:nvSpPr>
-        <p:spPr>
-          <a:xfrm>
-            <a:off x="3507948" y="3975818"/>
-            <a:ext cx="4714752" cy="1231106"/>
-          </a:xfrm>
-          <a:prstGeom prst="rect">
-            <a:avLst/>
-          </a:prstGeom>
-          <a:noFill/>
-          <a:ln w="28575">
-            <a:solidFill>
-              <a:schemeClr val="tx2">
-                <a:lumMod val="40000"/>
-                <a:lumOff val="60000"/>
-              </a:schemeClr>
-            </a:solidFill>
-          </a:ln>
-        </p:spPr>
-        <p:txBody>
-          <a:bodyPr wrap="square" rtlCol="0">
-            <a:spAutoFit/>
-          </a:bodyPr>
-          <a:lstStyle/>
-          <a:p>
-            <a:pPr algn="ctr"/>
-            <a:r>
-              <a:rPr lang="en-GB" sz="2000" b="1"/>
-              <a:t>Proving statement:</a:t>
-            </a:r>
-          </a:p>
-          <a:p>
-            <a:pPr algn="ctr"/>
-            <a:r>
-              <a:rPr lang="en-GB"/>
-              <a:t>Prove viability and lay down operating model for Use of Invision in Agile Apps and Analytics MI reporting</a:t>
-            </a:r>
-            <a:endParaRPr lang="en-GB" sz="2000"/>
-          </a:p>
-        </p:txBody>
-      </p:sp>
-      <p:pic>
-        <p:nvPicPr>
-          <p:cNvPr id="16" name="Graphic 15" descr="Question mark">
-            <a:extLst>
-              <a:ext uri="{FF2B5EF4-FFF2-40B4-BE49-F238E27FC236}">
-                <a16:creationId xmlns:a16="http://schemas.microsoft.com/office/drawing/2014/main" id="{E1C7DCFE-E4A3-408D-86BC-9CF369B9D7A7}"/>
-              </a:ext>
-            </a:extLst>
-          </p:cNvPr>
-          <p:cNvPicPr>
-            <a:picLocks noChangeAspect="1"/>
-          </p:cNvPicPr>
-          <p:nvPr/>
-        </p:nvPicPr>
-        <p:blipFill>
-          <a:blip r:embed="rId6">
-            <a:extLst>
-              <a:ext uri="{96DAC541-7B7A-43D3-8B79-37D633B846F1}">
-                <asvg:svgBlip xmlns:asvg="http://schemas.microsoft.com/office/drawing/2016/SVG/main" r:embed="rId7"/>
-              </a:ext>
-            </a:extLst>
-          </a:blip>
-          <a:stretch>
-            <a:fillRect/>
-          </a:stretch>
-        </p:blipFill>
-        <p:spPr>
-          <a:xfrm>
-            <a:off x="837032" y="4334226"/>
-            <a:ext cx="914400" cy="914400"/>
-          </a:xfrm>
-          <a:prstGeom prst="rect">
-            <a:avLst/>
-          </a:prstGeom>
-        </p:spPr>
-      </p:pic>
+          <p:cNvGraphicFramePr/>
+          <p:nvPr>
+            <p:extLst>
+              <p:ext uri="{D42A27DB-BD31-4B8C-83A1-F6EECF244321}">
+                <p14:modId xmlns:p14="http://schemas.microsoft.com/office/powerpoint/2010/main" val="3374056857"/>
+              </p:ext>
+            </p:extLst>
+          </p:nvPr>
+        </p:nvGraphicFramePr>
+        <p:xfrm>
+          <a:off x="1631577" y="3814482"/>
+          <a:ext cx="5065059" cy="2545976"/>
+        </p:xfrm>
+        <a:graphic>
+          <a:graphicData uri="http://schemas.openxmlformats.org/drawingml/2006/diagram">
+            <dgm:relIds xmlns:dgm="http://schemas.openxmlformats.org/drawingml/2006/diagram" xmlns:r="http://schemas.openxmlformats.org/officeDocument/2006/relationships" r:dm="rId7" r:lo="rId8" r:qs="rId9" r:cs="rId10"/>
+          </a:graphicData>
+        </a:graphic>
+      </p:graphicFrame>
     </p:spTree>
     <p:extLst>
       <p:ext uri="{BB962C8B-B14F-4D97-AF65-F5344CB8AC3E}">
-        <p14:creationId xmlns:p14="http://schemas.microsoft.com/office/powerpoint/2010/main" val="293861790"/>
+        <p14:creationId xmlns:p14="http://schemas.microsoft.com/office/powerpoint/2010/main" val="1134838744"/>
       </p:ext>
     </p:extLst>
   </p:cSld>
@@ -19773,6 +18678,14 @@
 <file path=ppt/slides/slide7.xml><?xml version="1.0" encoding="utf-8"?>
 <p:sld xmlns:a="http://schemas.openxmlformats.org/drawingml/2006/main" xmlns:r="http://schemas.openxmlformats.org/officeDocument/2006/relationships" xmlns:p="http://schemas.openxmlformats.org/presentationml/2006/main">
   <p:cSld>
+    <p:bg>
+      <p:bgPr>
+        <a:solidFill>
+          <a:schemeClr val="bg1"/>
+        </a:solidFill>
+        <a:effectLst/>
+      </p:bgPr>
+    </p:bg>
     <p:spTree>
       <p:nvGrpSpPr>
         <p:cNvPr id="1" name=""/>
@@ -19787,36 +18700,560 @@
           <a:chExt cx="0" cy="0"/>
         </a:xfrm>
       </p:grpSpPr>
-      <p:sp>
+      <p:sp useBgFill="1">
         <p:nvSpPr>
-          <p:cNvPr id="4" name="Slide Number Placeholder 3">
+          <p:cNvPr id="20" name="Rectangle 11">
             <a:extLst>
               <a:ext uri="{FF2B5EF4-FFF2-40B4-BE49-F238E27FC236}">
-                <a16:creationId xmlns:a16="http://schemas.microsoft.com/office/drawing/2014/main" id="{F11796CF-593E-4FC3-BFA8-8DA4ADEF5EF9}"/>
+                <a16:creationId xmlns:a16="http://schemas.microsoft.com/office/drawing/2014/main" id="{F4C0B10B-D2C4-4A54-AFAD-3D27DF88BB37}"/>
+              </a:ext>
+              <a:ext uri="{C183D7F6-B498-43B3-948B-1728B52AA6E4}">
+                <adec:decorative xmlns:adec="http://schemas.microsoft.com/office/drawing/2017/decorative" val="1"/>
               </a:ext>
             </a:extLst>
           </p:cNvPr>
           <p:cNvSpPr>
-            <a:spLocks noGrp="1"/>
+            <a:spLocks noGrp="1" noRot="1" noChangeAspect="1" noMove="1" noResize="1" noEditPoints="1" noAdjustHandles="1" noChangeArrowheads="1" noChangeShapeType="1" noTextEdit="1"/>
           </p:cNvSpPr>
           <p:nvPr>
-            <p:ph type="sldNum" sz="quarter" idx="13"/>
+            <p:extLst>
+              <p:ext uri="{386F3935-93C4-4BCD-93E2-E3B085C9AB24}">
+                <p16:designElem xmlns:p16="http://schemas.microsoft.com/office/powerpoint/2015/main" val="1"/>
+              </p:ext>
+            </p:extLst>
           </p:nvPr>
         </p:nvSpPr>
-        <p:spPr/>
+        <p:spPr>
+          <a:xfrm>
+            <a:off x="0" y="0"/>
+            <a:ext cx="9141714" cy="6858000"/>
+          </a:xfrm>
+          <a:prstGeom prst="rect">
+            <a:avLst/>
+          </a:prstGeom>
+          <a:ln>
+            <a:noFill/>
+          </a:ln>
+        </p:spPr>
+        <p:style>
+          <a:lnRef idx="2">
+            <a:schemeClr val="accent1">
+              <a:shade val="50000"/>
+            </a:schemeClr>
+          </a:lnRef>
+          <a:fillRef idx="1">
+            <a:schemeClr val="accent1"/>
+          </a:fillRef>
+          <a:effectRef idx="0">
+            <a:schemeClr val="accent1"/>
+          </a:effectRef>
+          <a:fontRef idx="minor">
+            <a:schemeClr val="lt1"/>
+          </a:fontRef>
+        </p:style>
         <p:txBody>
-          <a:bodyPr/>
+          <a:bodyPr rtlCol="0" anchor="ctr"/>
           <a:lstStyle/>
           <a:p>
-            <a:fld id="{08BDDC8D-36E9-467E-8CF1-750845950A7F}" type="slidenum">
-              <a:rPr lang="en-GB" sz="800" noProof="0" smtClean="0"/>
-              <a:pPr/>
-              <a:t>7</a:t>
-            </a:fld>
-            <a:endParaRPr lang="en-GB" sz="800" noProof="0"/>
+            <a:pPr algn="ctr"/>
+            <a:endParaRPr lang="en-US"/>
           </a:p>
         </p:txBody>
       </p:sp>
+      <p:grpSp>
+        <p:nvGrpSpPr>
+          <p:cNvPr id="14" name="Group 13">
+            <a:extLst>
+              <a:ext uri="{FF2B5EF4-FFF2-40B4-BE49-F238E27FC236}">
+                <a16:creationId xmlns:a16="http://schemas.microsoft.com/office/drawing/2014/main" id="{B6BADB90-C74B-40D6-86DC-503F65FCE8DC}"/>
+              </a:ext>
+              <a:ext uri="{C183D7F6-B498-43B3-948B-1728B52AA6E4}">
+                <adec:decorative xmlns:adec="http://schemas.microsoft.com/office/drawing/2017/decorative" val="1"/>
+              </a:ext>
+            </a:extLst>
+          </p:cNvPr>
+          <p:cNvGrpSpPr>
+            <a:grpSpLocks noGrp="1" noUngrp="1" noRot="1" noChangeAspect="1" noMove="1" noResize="1"/>
+          </p:cNvGrpSpPr>
+          <p:nvPr>
+            <p:extLst>
+              <p:ext uri="{386F3935-93C4-4BCD-93E2-E3B085C9AB24}">
+                <p16:designElem xmlns:p16="http://schemas.microsoft.com/office/powerpoint/2015/main" val="1"/>
+              </p:ext>
+            </p:extLst>
+          </p:nvPr>
+        </p:nvGrpSpPr>
+        <p:grpSpPr>
+          <a:xfrm>
+            <a:off x="307282" y="635715"/>
+            <a:ext cx="8356656" cy="2482136"/>
+            <a:chOff x="409710" y="635715"/>
+            <a:chExt cx="11142208" cy="2482136"/>
+          </a:xfrm>
+        </p:grpSpPr>
+        <p:sp>
+          <p:nvSpPr>
+            <p:cNvPr id="15" name="Freeform 44">
+              <a:extLst>
+                <a:ext uri="{FF2B5EF4-FFF2-40B4-BE49-F238E27FC236}">
+                  <a16:creationId xmlns:a16="http://schemas.microsoft.com/office/drawing/2014/main" id="{6559431D-1886-4AE0-9B87-9AD2ECAB8439}"/>
+                </a:ext>
+                <a:ext uri="{C183D7F6-B498-43B3-948B-1728B52AA6E4}">
+                  <adec:decorative xmlns:adec="http://schemas.microsoft.com/office/drawing/2017/decorative" val="1"/>
+                </a:ext>
+              </a:extLst>
+            </p:cNvPr>
+            <p:cNvSpPr>
+              <a:spLocks/>
+            </p:cNvSpPr>
+            <p:nvPr>
+              <p:extLst>
+                <p:ext uri="{386F3935-93C4-4BCD-93E2-E3B085C9AB24}">
+                  <p16:designElem xmlns:p16="http://schemas.microsoft.com/office/powerpoint/2015/main" val="1"/>
+                </p:ext>
+              </p:extLst>
+            </p:nvPr>
+          </p:nvSpPr>
+          <p:spPr bwMode="auto">
+            <a:xfrm>
+              <a:off x="11223203" y="635716"/>
+              <a:ext cx="328612" cy="1742360"/>
+            </a:xfrm>
+            <a:custGeom>
+              <a:avLst/>
+              <a:gdLst>
+                <a:gd name="T0" fmla="*/ 207 w 207"/>
+                <a:gd name="T1" fmla="*/ 987 h 1114"/>
+                <a:gd name="T2" fmla="*/ 0 w 207"/>
+                <a:gd name="T3" fmla="*/ 1114 h 1114"/>
+                <a:gd name="T4" fmla="*/ 0 w 207"/>
+                <a:gd name="T5" fmla="*/ 127 h 1114"/>
+                <a:gd name="T6" fmla="*/ 207 w 207"/>
+                <a:gd name="T7" fmla="*/ 0 h 1114"/>
+                <a:gd name="T8" fmla="*/ 207 w 207"/>
+                <a:gd name="T9" fmla="*/ 987 h 1114"/>
+              </a:gdLst>
+              <a:ahLst/>
+              <a:cxnLst>
+                <a:cxn ang="0">
+                  <a:pos x="T0" y="T1"/>
+                </a:cxn>
+                <a:cxn ang="0">
+                  <a:pos x="T2" y="T3"/>
+                </a:cxn>
+                <a:cxn ang="0">
+                  <a:pos x="T4" y="T5"/>
+                </a:cxn>
+                <a:cxn ang="0">
+                  <a:pos x="T6" y="T7"/>
+                </a:cxn>
+                <a:cxn ang="0">
+                  <a:pos x="T8" y="T9"/>
+                </a:cxn>
+              </a:cxnLst>
+              <a:rect l="0" t="0" r="r" b="b"/>
+              <a:pathLst>
+                <a:path w="207" h="1114">
+                  <a:moveTo>
+                    <a:pt x="207" y="987"/>
+                  </a:moveTo>
+                  <a:lnTo>
+                    <a:pt x="0" y="1114"/>
+                  </a:lnTo>
+                  <a:lnTo>
+                    <a:pt x="0" y="127"/>
+                  </a:lnTo>
+                  <a:lnTo>
+                    <a:pt x="207" y="0"/>
+                  </a:lnTo>
+                  <a:lnTo>
+                    <a:pt x="207" y="987"/>
+                  </a:lnTo>
+                  <a:close/>
+                </a:path>
+              </a:pathLst>
+            </a:custGeom>
+            <a:solidFill>
+              <a:schemeClr val="accent1">
+                <a:lumMod val="50000"/>
+              </a:schemeClr>
+            </a:solidFill>
+            <a:ln>
+              <a:noFill/>
+            </a:ln>
+          </p:spPr>
+          <p:txBody>
+            <a:bodyPr vert="horz" wrap="square" lIns="91440" tIns="45720" rIns="91440" bIns="45720" numCol="1" anchor="t" anchorCtr="0" compatLnSpc="1">
+              <a:prstTxWarp prst="textNoShape">
+                <a:avLst/>
+              </a:prstTxWarp>
+            </a:bodyPr>
+            <a:lstStyle/>
+            <a:p>
+              <a:endParaRPr lang="en-US"/>
+            </a:p>
+          </p:txBody>
+        </p:sp>
+        <p:sp>
+          <p:nvSpPr>
+            <p:cNvPr id="16" name="Freeform 45">
+              <a:extLst>
+                <a:ext uri="{FF2B5EF4-FFF2-40B4-BE49-F238E27FC236}">
+                  <a16:creationId xmlns:a16="http://schemas.microsoft.com/office/drawing/2014/main" id="{373850A5-B04A-4FCD-9E73-EE322167FB31}"/>
+                </a:ext>
+                <a:ext uri="{C183D7F6-B498-43B3-948B-1728B52AA6E4}">
+                  <adec:decorative xmlns:adec="http://schemas.microsoft.com/office/drawing/2017/decorative" val="1"/>
+                </a:ext>
+              </a:extLst>
+            </p:cNvPr>
+            <p:cNvSpPr>
+              <a:spLocks/>
+            </p:cNvSpPr>
+            <p:nvPr>
+              <p:extLst>
+                <p:ext uri="{386F3935-93C4-4BCD-93E2-E3B085C9AB24}">
+                  <p16:designElem xmlns:p16="http://schemas.microsoft.com/office/powerpoint/2015/main" val="1"/>
+                </p:ext>
+              </p:extLst>
+            </p:nvPr>
+          </p:nvSpPr>
+          <p:spPr bwMode="auto">
+            <a:xfrm>
+              <a:off x="409710" y="1022350"/>
+              <a:ext cx="709612" cy="2095501"/>
+            </a:xfrm>
+            <a:custGeom>
+              <a:avLst/>
+              <a:gdLst>
+                <a:gd name="T0" fmla="*/ 447 w 447"/>
+                <a:gd name="T1" fmla="*/ 1363 h 1363"/>
+                <a:gd name="T2" fmla="*/ 0 w 447"/>
+                <a:gd name="T3" fmla="*/ 987 h 1363"/>
+                <a:gd name="T4" fmla="*/ 0 w 447"/>
+                <a:gd name="T5" fmla="*/ 0 h 1363"/>
+                <a:gd name="T6" fmla="*/ 447 w 447"/>
+                <a:gd name="T7" fmla="*/ 376 h 1363"/>
+                <a:gd name="T8" fmla="*/ 447 w 447"/>
+                <a:gd name="T9" fmla="*/ 1363 h 1363"/>
+              </a:gdLst>
+              <a:ahLst/>
+              <a:cxnLst>
+                <a:cxn ang="0">
+                  <a:pos x="T0" y="T1"/>
+                </a:cxn>
+                <a:cxn ang="0">
+                  <a:pos x="T2" y="T3"/>
+                </a:cxn>
+                <a:cxn ang="0">
+                  <a:pos x="T4" y="T5"/>
+                </a:cxn>
+                <a:cxn ang="0">
+                  <a:pos x="T6" y="T7"/>
+                </a:cxn>
+                <a:cxn ang="0">
+                  <a:pos x="T8" y="T9"/>
+                </a:cxn>
+              </a:cxnLst>
+              <a:rect l="0" t="0" r="r" b="b"/>
+              <a:pathLst>
+                <a:path w="447" h="1363">
+                  <a:moveTo>
+                    <a:pt x="447" y="1363"/>
+                  </a:moveTo>
+                  <a:lnTo>
+                    <a:pt x="0" y="987"/>
+                  </a:lnTo>
+                  <a:lnTo>
+                    <a:pt x="0" y="0"/>
+                  </a:lnTo>
+                  <a:lnTo>
+                    <a:pt x="447" y="376"/>
+                  </a:lnTo>
+                  <a:lnTo>
+                    <a:pt x="447" y="1363"/>
+                  </a:lnTo>
+                  <a:close/>
+                </a:path>
+              </a:pathLst>
+            </a:custGeom>
+            <a:solidFill>
+              <a:schemeClr val="accent1">
+                <a:lumMod val="50000"/>
+              </a:schemeClr>
+            </a:solidFill>
+            <a:ln>
+              <a:noFill/>
+            </a:ln>
+          </p:spPr>
+          <p:txBody>
+            <a:bodyPr vert="horz" wrap="square" lIns="91440" tIns="45720" rIns="91440" bIns="45720" numCol="1" anchor="t" anchorCtr="0" compatLnSpc="1">
+              <a:prstTxWarp prst="textNoShape">
+                <a:avLst/>
+              </a:prstTxWarp>
+            </a:bodyPr>
+            <a:lstStyle/>
+            <a:p>
+              <a:endParaRPr lang="en-US"/>
+            </a:p>
+          </p:txBody>
+        </p:sp>
+        <p:sp>
+          <p:nvSpPr>
+            <p:cNvPr id="17" name="Freeform 46">
+              <a:extLst>
+                <a:ext uri="{FF2B5EF4-FFF2-40B4-BE49-F238E27FC236}">
+                  <a16:creationId xmlns:a16="http://schemas.microsoft.com/office/drawing/2014/main" id="{82C18C67-80FA-4738-AA53-0AF2419F98E0}"/>
+                </a:ext>
+                <a:ext uri="{C183D7F6-B498-43B3-948B-1728B52AA6E4}">
+                  <adec:decorative xmlns:adec="http://schemas.microsoft.com/office/drawing/2017/decorative" val="1"/>
+                </a:ext>
+              </a:extLst>
+            </p:cNvPr>
+            <p:cNvSpPr>
+              <a:spLocks/>
+            </p:cNvSpPr>
+            <p:nvPr>
+              <p:extLst>
+                <p:ext uri="{386F3935-93C4-4BCD-93E2-E3B085C9AB24}">
+                  <p16:designElem xmlns:p16="http://schemas.microsoft.com/office/powerpoint/2015/main" val="1"/>
+                </p:ext>
+              </p:extLst>
+            </p:nvPr>
+          </p:nvSpPr>
+          <p:spPr bwMode="auto">
+            <a:xfrm>
+              <a:off x="409710" y="837744"/>
+              <a:ext cx="403225" cy="1705431"/>
+            </a:xfrm>
+            <a:custGeom>
+              <a:avLst/>
+              <a:gdLst>
+                <a:gd name="T0" fmla="*/ 254 w 254"/>
+                <a:gd name="T1" fmla="*/ 987 h 1109"/>
+                <a:gd name="T2" fmla="*/ 0 w 254"/>
+                <a:gd name="T3" fmla="*/ 1109 h 1109"/>
+                <a:gd name="T4" fmla="*/ 0 w 254"/>
+                <a:gd name="T5" fmla="*/ 119 h 1109"/>
+                <a:gd name="T6" fmla="*/ 254 w 254"/>
+                <a:gd name="T7" fmla="*/ 0 h 1109"/>
+                <a:gd name="T8" fmla="*/ 254 w 254"/>
+                <a:gd name="T9" fmla="*/ 987 h 1109"/>
+              </a:gdLst>
+              <a:ahLst/>
+              <a:cxnLst>
+                <a:cxn ang="0">
+                  <a:pos x="T0" y="T1"/>
+                </a:cxn>
+                <a:cxn ang="0">
+                  <a:pos x="T2" y="T3"/>
+                </a:cxn>
+                <a:cxn ang="0">
+                  <a:pos x="T4" y="T5"/>
+                </a:cxn>
+                <a:cxn ang="0">
+                  <a:pos x="T6" y="T7"/>
+                </a:cxn>
+                <a:cxn ang="0">
+                  <a:pos x="T8" y="T9"/>
+                </a:cxn>
+              </a:cxnLst>
+              <a:rect l="0" t="0" r="r" b="b"/>
+              <a:pathLst>
+                <a:path w="254" h="1109">
+                  <a:moveTo>
+                    <a:pt x="254" y="987"/>
+                  </a:moveTo>
+                  <a:lnTo>
+                    <a:pt x="0" y="1109"/>
+                  </a:lnTo>
+                  <a:lnTo>
+                    <a:pt x="0" y="119"/>
+                  </a:lnTo>
+                  <a:lnTo>
+                    <a:pt x="254" y="0"/>
+                  </a:lnTo>
+                  <a:lnTo>
+                    <a:pt x="254" y="987"/>
+                  </a:lnTo>
+                  <a:close/>
+                </a:path>
+              </a:pathLst>
+            </a:custGeom>
+            <a:solidFill>
+              <a:schemeClr val="accent1">
+                <a:lumMod val="75000"/>
+              </a:schemeClr>
+            </a:solidFill>
+            <a:ln>
+              <a:noFill/>
+            </a:ln>
+          </p:spPr>
+          <p:txBody>
+            <a:bodyPr vert="horz" wrap="square" lIns="91440" tIns="45720" rIns="91440" bIns="45720" numCol="1" anchor="t" anchorCtr="0" compatLnSpc="1">
+              <a:prstTxWarp prst="textNoShape">
+                <a:avLst/>
+              </a:prstTxWarp>
+            </a:bodyPr>
+            <a:lstStyle/>
+            <a:p>
+              <a:endParaRPr lang="en-US"/>
+            </a:p>
+          </p:txBody>
+        </p:sp>
+        <p:sp>
+          <p:nvSpPr>
+            <p:cNvPr id="18" name="Freeform 47">
+              <a:extLst>
+                <a:ext uri="{FF2B5EF4-FFF2-40B4-BE49-F238E27FC236}">
+                  <a16:creationId xmlns:a16="http://schemas.microsoft.com/office/drawing/2014/main" id="{48543B1A-8BF5-4C63-8404-41B2EA70B33E}"/>
+                </a:ext>
+                <a:ext uri="{C183D7F6-B498-43B3-948B-1728B52AA6E4}">
+                  <adec:decorative xmlns:adec="http://schemas.microsoft.com/office/drawing/2017/decorative" val="1"/>
+                </a:ext>
+              </a:extLst>
+            </p:cNvPr>
+            <p:cNvSpPr>
+              <a:spLocks/>
+            </p:cNvSpPr>
+            <p:nvPr>
+              <p:extLst>
+                <p:ext uri="{386F3935-93C4-4BCD-93E2-E3B085C9AB24}">
+                  <p16:designElem xmlns:p16="http://schemas.microsoft.com/office/powerpoint/2015/main" val="1"/>
+                </p:ext>
+              </p:extLst>
+            </p:nvPr>
+          </p:nvSpPr>
+          <p:spPr bwMode="auto">
+            <a:xfrm>
+              <a:off x="644660" y="640894"/>
+              <a:ext cx="168275" cy="1713195"/>
+            </a:xfrm>
+            <a:custGeom>
+              <a:avLst/>
+              <a:gdLst>
+                <a:gd name="T0" fmla="*/ 106 w 106"/>
+                <a:gd name="T1" fmla="*/ 1114 h 1114"/>
+                <a:gd name="T2" fmla="*/ 0 w 106"/>
+                <a:gd name="T3" fmla="*/ 1005 h 1114"/>
+                <a:gd name="T4" fmla="*/ 0 w 106"/>
+                <a:gd name="T5" fmla="*/ 0 h 1114"/>
+                <a:gd name="T6" fmla="*/ 106 w 106"/>
+                <a:gd name="T7" fmla="*/ 110 h 1114"/>
+                <a:gd name="T8" fmla="*/ 106 w 106"/>
+                <a:gd name="T9" fmla="*/ 1114 h 1114"/>
+              </a:gdLst>
+              <a:ahLst/>
+              <a:cxnLst>
+                <a:cxn ang="0">
+                  <a:pos x="T0" y="T1"/>
+                </a:cxn>
+                <a:cxn ang="0">
+                  <a:pos x="T2" y="T3"/>
+                </a:cxn>
+                <a:cxn ang="0">
+                  <a:pos x="T4" y="T5"/>
+                </a:cxn>
+                <a:cxn ang="0">
+                  <a:pos x="T6" y="T7"/>
+                </a:cxn>
+                <a:cxn ang="0">
+                  <a:pos x="T8" y="T9"/>
+                </a:cxn>
+              </a:cxnLst>
+              <a:rect l="0" t="0" r="r" b="b"/>
+              <a:pathLst>
+                <a:path w="106" h="1114">
+                  <a:moveTo>
+                    <a:pt x="106" y="1114"/>
+                  </a:moveTo>
+                  <a:lnTo>
+                    <a:pt x="0" y="1005"/>
+                  </a:lnTo>
+                  <a:lnTo>
+                    <a:pt x="0" y="0"/>
+                  </a:lnTo>
+                  <a:lnTo>
+                    <a:pt x="106" y="110"/>
+                  </a:lnTo>
+                  <a:lnTo>
+                    <a:pt x="106" y="1114"/>
+                  </a:lnTo>
+                  <a:close/>
+                </a:path>
+              </a:pathLst>
+            </a:custGeom>
+            <a:solidFill>
+              <a:schemeClr val="accent1">
+                <a:lumMod val="50000"/>
+              </a:schemeClr>
+            </a:solidFill>
+            <a:ln>
+              <a:noFill/>
+            </a:ln>
+          </p:spPr>
+          <p:txBody>
+            <a:bodyPr vert="horz" wrap="square" lIns="91440" tIns="45720" rIns="91440" bIns="45720" numCol="1" anchor="t" anchorCtr="0" compatLnSpc="1">
+              <a:prstTxWarp prst="textNoShape">
+                <a:avLst/>
+              </a:prstTxWarp>
+            </a:bodyPr>
+            <a:lstStyle/>
+            <a:p>
+              <a:endParaRPr lang="en-US"/>
+            </a:p>
+          </p:txBody>
+        </p:sp>
+        <p:sp>
+          <p:nvSpPr>
+            <p:cNvPr id="19" name="Rectangle 18">
+              <a:extLst>
+                <a:ext uri="{FF2B5EF4-FFF2-40B4-BE49-F238E27FC236}">
+                  <a16:creationId xmlns:a16="http://schemas.microsoft.com/office/drawing/2014/main" id="{92DF5096-E051-498C-A3ED-CBA77A813AAC}"/>
+                </a:ext>
+                <a:ext uri="{C183D7F6-B498-43B3-948B-1728B52AA6E4}">
+                  <adec:decorative xmlns:adec="http://schemas.microsoft.com/office/drawing/2017/decorative" val="1"/>
+                </a:ext>
+              </a:extLst>
+            </p:cNvPr>
+            <p:cNvSpPr>
+              <a:spLocks noChangeArrowheads="1"/>
+            </p:cNvSpPr>
+            <p:nvPr>
+              <p:extLst>
+                <p:ext uri="{386F3935-93C4-4BCD-93E2-E3B085C9AB24}">
+                  <p16:designElem xmlns:p16="http://schemas.microsoft.com/office/powerpoint/2015/main" val="1"/>
+                </p:ext>
+              </p:extLst>
+            </p:nvPr>
+          </p:nvSpPr>
+          <p:spPr bwMode="auto">
+            <a:xfrm>
+              <a:off x="644055" y="635715"/>
+              <a:ext cx="10907863" cy="1541457"/>
+            </a:xfrm>
+            <a:prstGeom prst="rect">
+              <a:avLst/>
+            </a:prstGeom>
+            <a:solidFill>
+              <a:schemeClr val="accent1"/>
+            </a:solidFill>
+            <a:ln>
+              <a:noFill/>
+            </a:ln>
+          </p:spPr>
+          <p:txBody>
+            <a:bodyPr vert="horz" wrap="square" lIns="91440" tIns="45720" rIns="91440" bIns="45720" numCol="1" anchor="t" anchorCtr="0" compatLnSpc="1">
+              <a:prstTxWarp prst="textNoShape">
+                <a:avLst/>
+              </a:prstTxWarp>
+            </a:bodyPr>
+            <a:lstStyle/>
+            <a:p>
+              <a:endParaRPr lang="en-US"/>
+            </a:p>
+          </p:txBody>
+        </p:sp>
+      </p:grpSp>
       <p:sp>
         <p:nvSpPr>
           <p:cNvPr id="5" name="Title 4">
@@ -19833,18 +19270,26 @@
             <p:ph type="title"/>
           </p:nvPr>
         </p:nvSpPr>
-        <p:spPr/>
+        <p:spPr>
+          <a:xfrm>
+            <a:off x="785460" y="759805"/>
+            <a:ext cx="7729890" cy="1325563"/>
+          </a:xfrm>
+        </p:spPr>
         <p:txBody>
-          <a:bodyPr/>
+          <a:bodyPr vert="horz" lIns="91440" tIns="45720" rIns="91440" bIns="45720" rtlCol="0" anchor="ctr">
+            <a:normAutofit/>
+          </a:bodyPr>
           <a:lstStyle/>
           <a:p>
-            <a:r>
-              <a:rPr lang="en-US" sz="3200"/>
-              <a:t>W</a:t>
-            </a:r>
-            <a:r>
-              <a:rPr lang="en-GB" sz="3200"/>
-              <a:t>hat we did in spike — Agile Apps</a:t>
+            <a:pPr defTabSz="914400"/>
+            <a:r>
+              <a:rPr lang="en-US" sz="3500" dirty="0">
+                <a:solidFill>
+                  <a:srgbClr val="FFFFFF"/>
+                </a:solidFill>
+              </a:rPr>
+              <a:t>What we did — Agile Apps</a:t>
             </a:r>
           </a:p>
         </p:txBody>
@@ -19867,124 +19312,55 @@
         </p:nvSpPr>
         <p:spPr>
           <a:xfrm>
-            <a:off x="415582" y="1303386"/>
-            <a:ext cx="8283098" cy="5122206"/>
+            <a:off x="1067535" y="2659126"/>
+            <a:ext cx="3503322" cy="3563159"/>
           </a:xfrm>
         </p:spPr>
         <p:txBody>
-          <a:bodyPr vert="horz" lIns="0" tIns="0" rIns="0" bIns="0" rtlCol="0" anchor="t">
-            <a:noAutofit/>
+          <a:bodyPr vert="horz" lIns="91440" tIns="45720" rIns="91440" bIns="45720" rtlCol="0">
+            <a:normAutofit/>
           </a:bodyPr>
           <a:lstStyle/>
           <a:p>
-            <a:pPr marL="457200" indent="-457200">
-              <a:buAutoNum type="arabicPeriod"/>
-            </a:pPr>
-            <a:r>
-              <a:rPr lang="en-GB" sz="2000"/>
-              <a:t>Static Balsamiq wireframe mock-ups</a:t>
-            </a:r>
-            <a:endParaRPr lang="en-US"/>
-          </a:p>
-          <a:p>
-            <a:pPr marL="457200" indent="-457200">
-              <a:buAutoNum type="arabicPeriod"/>
-            </a:pPr>
-            <a:r>
-              <a:rPr lang="en-US" sz="2000"/>
-              <a:t>Mock-ups made interactive in </a:t>
-            </a:r>
-            <a:r>
-              <a:rPr lang="en-US" sz="2000" err="1"/>
-              <a:t>InVision</a:t>
-            </a:r>
-            <a:r>
-              <a:rPr lang="en-US" sz="2000"/>
-              <a:t> prototype</a:t>
-            </a:r>
-          </a:p>
-          <a:p>
-            <a:pPr marL="457200" indent="-457200">
-              <a:buAutoNum type="arabicPeriod"/>
-            </a:pPr>
-            <a:endParaRPr lang="en-US" sz="2000"/>
-          </a:p>
-          <a:p>
-            <a:pPr marL="457200" indent="-457200">
-              <a:buAutoNum type="arabicPeriod"/>
-            </a:pPr>
-            <a:endParaRPr lang="en-US" sz="2000"/>
-          </a:p>
-          <a:p>
-            <a:pPr marL="457200" indent="-457200">
-              <a:buAutoNum type="arabicPeriod"/>
-            </a:pPr>
-            <a:endParaRPr lang="en-US" sz="2000"/>
-          </a:p>
-          <a:p>
-            <a:pPr marL="457200" indent="-457200">
-              <a:buAutoNum type="arabicPeriod"/>
-            </a:pPr>
-            <a:endParaRPr lang="en-US" sz="2000"/>
-          </a:p>
-          <a:p>
-            <a:pPr marL="457200" indent="-457200">
-              <a:buAutoNum type="arabicPeriod"/>
-            </a:pPr>
-            <a:endParaRPr lang="en-US" sz="2000"/>
-          </a:p>
-          <a:p>
-            <a:pPr marL="457200" indent="-457200">
-              <a:buAutoNum type="arabicPeriod"/>
-            </a:pPr>
-            <a:endParaRPr lang="en-US" sz="2000"/>
-          </a:p>
-          <a:p>
-            <a:pPr marL="457200" indent="-457200">
-              <a:buAutoNum type="arabicPeriod"/>
-            </a:pPr>
-            <a:endParaRPr lang="en-US" sz="2000"/>
-          </a:p>
-          <a:p>
-            <a:pPr marL="457200" indent="-457200">
-              <a:buAutoNum type="arabicPeriod"/>
-            </a:pPr>
-            <a:endParaRPr lang="en-US" sz="2000"/>
-          </a:p>
-          <a:p>
-            <a:pPr marL="457200" indent="-457200">
-              <a:buAutoNum type="arabicPeriod"/>
-            </a:pPr>
-            <a:endParaRPr lang="en-US" sz="2000"/>
-          </a:p>
-          <a:p>
-            <a:pPr marL="457200" indent="-457200">
-              <a:buAutoNum type="arabicPeriod"/>
-            </a:pPr>
-            <a:r>
-              <a:rPr lang="en-US" sz="2000"/>
-              <a:t>Collaboration with stakeholders with the prototype as the basis.</a:t>
-            </a:r>
-            <a:endParaRPr lang="en-US"/>
-          </a:p>
-          <a:p>
-            <a:pPr marL="457200" indent="-457200">
-              <a:buAutoNum type="arabicPeriod"/>
-            </a:pPr>
-            <a:r>
-              <a:rPr lang="en-US" sz="2000"/>
-              <a:t>Addressing feedback by updating the prototype to match refined requirements.</a:t>
-            </a:r>
-            <a:endParaRPr lang="en-US"/>
+            <a:pPr marL="457200" indent="-228600" defTabSz="914400"/>
+            <a:r>
+              <a:rPr lang="en-US" sz="1600" dirty="0"/>
+              <a:t>Used existing static Balsamiq based mock-ups.</a:t>
+            </a:r>
+          </a:p>
+          <a:p>
+            <a:pPr marL="457200" indent="-228600" defTabSz="914400"/>
+            <a:r>
+              <a:rPr lang="en-US" sz="1600" dirty="0"/>
+              <a:t>Visualized workflow by adding interactive elements in the mock-ups via InVision.</a:t>
+            </a:r>
+          </a:p>
+          <a:p>
+            <a:pPr marL="457200" indent="-228600" defTabSz="914400"/>
+            <a:r>
+              <a:rPr lang="en-US" sz="1600" dirty="0"/>
+              <a:t>Allowed multiple stakeholders to effectively, real-time collaborate in the design review process.</a:t>
+            </a:r>
+          </a:p>
+          <a:p>
+            <a:pPr marL="457200" indent="-228600" defTabSz="914400"/>
+            <a:r>
+              <a:rPr lang="en-US" sz="1600" dirty="0"/>
+              <a:t>Captured real-time feedback from stakeholders to refine the prototypes.</a:t>
+            </a:r>
+          </a:p>
+          <a:p>
+            <a:pPr marL="0" indent="-228600" defTabSz="914400"/>
+            <a:endParaRPr lang="en-US" sz="1600" dirty="0"/>
           </a:p>
         </p:txBody>
       </p:sp>
       <p:pic>
         <p:nvPicPr>
-          <p:cNvPr id="3" name="Picture 5" descr="A screenshot of a social media post&#10;&#10;Description automatically generated">
+          <p:cNvPr id="6" name="Picture 5" descr="A screenshot of a social media post&#10;&#10;Description automatically generated">
             <a:extLst>
               <a:ext uri="{FF2B5EF4-FFF2-40B4-BE49-F238E27FC236}">
-                <a16:creationId xmlns:a16="http://schemas.microsoft.com/office/drawing/2014/main" id="{B6527B39-3568-4CF0-9524-EF667DBF9603}"/>
+                <a16:creationId xmlns:a16="http://schemas.microsoft.com/office/drawing/2014/main" id="{D76B3027-558D-456E-A4E5-C29AE289DF1B}"/>
               </a:ext>
             </a:extLst>
           </p:cNvPr>
@@ -19993,22 +19369,83 @@
           </p:cNvPicPr>
           <p:nvPr/>
         </p:nvPicPr>
-        <p:blipFill>
+        <p:blipFill rotWithShape="1">
           <a:blip r:embed="rId2"/>
-          <a:stretch>
-            <a:fillRect/>
-          </a:stretch>
+          <a:srcRect l="14520" r="20536" b="-2"/>
+          <a:stretch/>
         </p:blipFill>
         <p:spPr>
           <a:xfrm>
-            <a:off x="896470" y="2036651"/>
-            <a:ext cx="5100917" cy="3277754"/>
+            <a:off x="4801187" y="2663186"/>
+            <a:ext cx="3616215" cy="3060699"/>
           </a:xfrm>
           <a:prstGeom prst="rect">
             <a:avLst/>
           </a:prstGeom>
         </p:spPr>
       </p:pic>
+      <p:sp>
+        <p:nvSpPr>
+          <p:cNvPr id="4" name="Slide Number Placeholder 3">
+            <a:extLst>
+              <a:ext uri="{FF2B5EF4-FFF2-40B4-BE49-F238E27FC236}">
+                <a16:creationId xmlns:a16="http://schemas.microsoft.com/office/drawing/2014/main" id="{F11796CF-593E-4FC3-BFA8-8DA4ADEF5EF9}"/>
+              </a:ext>
+            </a:extLst>
+          </p:cNvPr>
+          <p:cNvSpPr>
+            <a:spLocks noGrp="1"/>
+          </p:cNvSpPr>
+          <p:nvPr>
+            <p:ph type="sldNum" sz="quarter" idx="13"/>
+          </p:nvPr>
+        </p:nvSpPr>
+        <p:spPr>
+          <a:xfrm>
+            <a:off x="8030718" y="6382512"/>
+            <a:ext cx="514350" cy="320040"/>
+          </a:xfrm>
+        </p:spPr>
+        <p:txBody>
+          <a:bodyPr vert="horz" lIns="91440" tIns="45720" rIns="91440" bIns="45720" rtlCol="0" anchor="ctr">
+            <a:normAutofit/>
+          </a:bodyPr>
+          <a:lstStyle/>
+          <a:p>
+            <a:pPr>
+              <a:spcAft>
+                <a:spcPts val="600"/>
+              </a:spcAft>
+              <a:defRPr/>
+            </a:pPr>
+            <a:fld id="{08BDDC8D-36E9-467E-8CF1-750845950A7F}" type="slidenum">
+              <a:rPr lang="en-US">
+                <a:solidFill>
+                  <a:prstClr val="black">
+                    <a:tint val="75000"/>
+                  </a:prstClr>
+                </a:solidFill>
+                <a:latin typeface="Calibri" panose="020F0502020204030204"/>
+              </a:rPr>
+              <a:pPr>
+                <a:spcAft>
+                  <a:spcPts val="600"/>
+                </a:spcAft>
+                <a:defRPr/>
+              </a:pPr>
+              <a:t>7</a:t>
+            </a:fld>
+            <a:endParaRPr lang="en-US">
+              <a:solidFill>
+                <a:prstClr val="black">
+                  <a:tint val="75000"/>
+                </a:prstClr>
+              </a:solidFill>
+              <a:latin typeface="Calibri" panose="020F0502020204030204"/>
+            </a:endParaRPr>
+          </a:p>
+        </p:txBody>
+      </p:sp>
     </p:spTree>
     <p:extLst>
       <p:ext uri="{BB962C8B-B14F-4D97-AF65-F5344CB8AC3E}">
@@ -20091,11 +19528,11 @@
           <a:lstStyle/>
           <a:p>
             <a:r>
-              <a:rPr lang="en-US" sz="3200"/>
+              <a:rPr lang="en-US" sz="3200" dirty="0"/>
               <a:t>W</a:t>
             </a:r>
             <a:r>
-              <a:rPr lang="en-GB" sz="3200"/>
+              <a:rPr lang="en-GB" sz="3200" dirty="0"/>
               <a:t>hat we did in spike – Analytics MI</a:t>
             </a:r>
           </a:p>
@@ -20128,38 +19565,38 @@
           <a:lstStyle/>
           <a:p>
             <a:r>
-              <a:rPr lang="en-GB" sz="1600" b="1"/>
+              <a:rPr lang="en-GB" sz="1600" b="1" dirty="0"/>
               <a:t>Investigated the capabilities of the tool:</a:t>
             </a:r>
           </a:p>
           <a:p>
             <a:pPr lvl="1"/>
             <a:r>
-              <a:rPr lang="en-GB" sz="1300"/>
+              <a:rPr lang="en-GB" sz="1300" dirty="0"/>
               <a:t>Prototype</a:t>
             </a:r>
           </a:p>
           <a:p>
             <a:pPr lvl="1"/>
             <a:r>
-              <a:rPr lang="en-GB" sz="1300"/>
+              <a:rPr lang="en-GB" sz="1300" dirty="0"/>
               <a:t>Boards</a:t>
             </a:r>
           </a:p>
           <a:p>
             <a:pPr lvl="1"/>
             <a:r>
-              <a:rPr lang="en-GB" sz="1300"/>
+              <a:rPr lang="en-GB" sz="1300" dirty="0"/>
               <a:t>Freehand</a:t>
             </a:r>
           </a:p>
           <a:p>
             <a:pPr lvl="1"/>
-            <a:endParaRPr lang="en-GB" sz="1300" b="1"/>
-          </a:p>
-          <a:p>
-            <a:r>
-              <a:rPr lang="en-GB" sz="1600" b="1"/>
+            <a:endParaRPr lang="en-GB" sz="1300" b="1" dirty="0"/>
+          </a:p>
+          <a:p>
+            <a:r>
+              <a:rPr lang="en-GB" sz="1600" b="1" dirty="0"/>
               <a:t>Developed a prototype dashboard</a:t>
             </a:r>
           </a:p>
@@ -20167,38 +19604,38 @@
             <a:pPr marL="0" indent="0">
               <a:buNone/>
             </a:pPr>
-            <a:endParaRPr lang="en-GB" sz="1600" b="1"/>
+            <a:endParaRPr lang="en-GB" sz="1600" b="1" dirty="0"/>
           </a:p>
           <a:p>
             <a:pPr marL="0" indent="0">
               <a:buNone/>
             </a:pPr>
-            <a:endParaRPr lang="en-GB" sz="1600" b="1"/>
+            <a:endParaRPr lang="en-GB" sz="1600" b="1" dirty="0"/>
           </a:p>
           <a:p>
             <a:pPr marL="0" indent="0">
               <a:buNone/>
             </a:pPr>
-            <a:endParaRPr lang="en-GB" sz="1600" b="1"/>
+            <a:endParaRPr lang="en-GB" sz="1600" b="1" dirty="0"/>
           </a:p>
           <a:p>
             <a:pPr marL="0" indent="0">
               <a:buNone/>
             </a:pPr>
-            <a:endParaRPr lang="en-GB" sz="1600" b="1"/>
+            <a:endParaRPr lang="en-GB" sz="1600" b="1" dirty="0"/>
           </a:p>
           <a:p>
             <a:pPr marL="0" indent="0">
               <a:buNone/>
             </a:pPr>
-            <a:endParaRPr lang="en-GB" sz="1600" b="1"/>
-          </a:p>
-          <a:p>
-            <a:endParaRPr lang="en-GB" sz="1600" b="1"/>
-          </a:p>
-          <a:p>
-            <a:r>
-              <a:rPr lang="en-GB" sz="1600" b="1"/>
+            <a:endParaRPr lang="en-GB" sz="1600" b="1" dirty="0"/>
+          </a:p>
+          <a:p>
+            <a:endParaRPr lang="en-GB" sz="1600" b="1" dirty="0"/>
+          </a:p>
+          <a:p>
+            <a:r>
+              <a:rPr lang="en-GB" sz="1600" b="1" dirty="0"/>
               <a:t>Created Collaboration templates</a:t>
             </a:r>
           </a:p>
@@ -20206,7 +19643,7 @@
             <a:pPr marL="0" indent="0">
               <a:buNone/>
             </a:pPr>
-            <a:endParaRPr lang="en-GB" sz="1600" b="1"/>
+            <a:endParaRPr lang="en-GB" sz="1600" b="1" dirty="0"/>
           </a:p>
         </p:txBody>
       </p:sp>
@@ -20619,19 +20056,14 @@
             <p:ph type="title"/>
           </p:nvPr>
         </p:nvSpPr>
-        <p:spPr>
-          <a:xfrm>
-            <a:off x="196389" y="136524"/>
-            <a:ext cx="7133666" cy="1325563"/>
-          </a:xfrm>
-        </p:spPr>
+        <p:spPr/>
         <p:txBody>
           <a:bodyPr/>
           <a:lstStyle/>
           <a:p>
             <a:r>
               <a:rPr lang="en-GB"/>
-              <a:t>Proposed Agile Apps design operating model</a:t>
+              <a:t>Proposed Analytics MI design Operating model</a:t>
             </a:r>
           </a:p>
         </p:txBody>
@@ -20729,40 +20161,76 @@
           </a:p>
         </p:txBody>
       </p:sp>
-      <p:graphicFrame>
-        <p:nvGraphicFramePr>
-          <p:cNvPr id="3" name="Diagram 4">
+      <p:pic>
+        <p:nvPicPr>
+          <p:cNvPr id="7" name="Picture 6" descr="A screenshot of a social media post&#10;&#10;Description automatically generated">
             <a:extLst>
               <a:ext uri="{FF2B5EF4-FFF2-40B4-BE49-F238E27FC236}">
-                <a16:creationId xmlns:a16="http://schemas.microsoft.com/office/drawing/2014/main" id="{E12DB2F9-0F19-4E42-BAE1-8773D2AC356C}"/>
+                <a16:creationId xmlns:a16="http://schemas.microsoft.com/office/drawing/2014/main" id="{DCF3D37D-65DA-4EBC-B85F-6E8A55AEC5BC}"/>
               </a:ext>
             </a:extLst>
           </p:cNvPr>
-          <p:cNvGraphicFramePr/>
-          <p:nvPr>
-            <p:extLst>
-              <p:ext uri="{D42A27DB-BD31-4B8C-83A1-F6EECF244321}">
-                <p14:modId xmlns:p14="http://schemas.microsoft.com/office/powerpoint/2010/main" val="2168394705"/>
-              </p:ext>
-            </p:extLst>
-          </p:nvPr>
-        </p:nvGraphicFramePr>
-        <p:xfrm>
-          <a:off x="1210235" y="1331258"/>
-          <a:ext cx="5773270" cy="2133601"/>
-        </p:xfrm>
-        <a:graphic>
-          <a:graphicData uri="http://schemas.openxmlformats.org/drawingml/2006/diagram">
-            <dgm:relIds xmlns:dgm="http://schemas.openxmlformats.org/drawingml/2006/diagram" xmlns:r="http://schemas.openxmlformats.org/officeDocument/2006/relationships" r:dm="rId2" r:lo="rId3" r:qs="rId4" r:cs="rId5"/>
-          </a:graphicData>
-        </a:graphic>
-      </p:graphicFrame>
+          <p:cNvPicPr>
+            <a:picLocks noChangeAspect="1"/>
+          </p:cNvPicPr>
+          <p:nvPr/>
+        </p:nvPicPr>
+        <p:blipFill rotWithShape="1">
+          <a:blip r:embed="rId2"/>
+          <a:srcRect l="3042" t="4586" r="2826" b="5658"/>
+          <a:stretch/>
+        </p:blipFill>
+        <p:spPr>
+          <a:xfrm>
+            <a:off x="1921164" y="1062182"/>
+            <a:ext cx="4922981" cy="5144654"/>
+          </a:xfrm>
+          <a:prstGeom prst="rect">
+            <a:avLst/>
+          </a:prstGeom>
+        </p:spPr>
+      </p:pic>
       <p:sp>
         <p:nvSpPr>
-          <p:cNvPr id="1688" name="Arrow: Down 1687">
+          <p:cNvPr id="8" name="TextBox 7">
             <a:extLst>
               <a:ext uri="{FF2B5EF4-FFF2-40B4-BE49-F238E27FC236}">
-                <a16:creationId xmlns:a16="http://schemas.microsoft.com/office/drawing/2014/main" id="{5E8B219E-F04A-4690-88BC-5841B1A989A8}"/>
+                <a16:creationId xmlns:a16="http://schemas.microsoft.com/office/drawing/2014/main" id="{098111FE-DB17-44E5-B551-D188DC6FFD21}"/>
+              </a:ext>
+            </a:extLst>
+          </p:cNvPr>
+          <p:cNvSpPr txBox="1"/>
+          <p:nvPr/>
+        </p:nvSpPr>
+        <p:spPr>
+          <a:xfrm>
+            <a:off x="7120197" y="2840396"/>
+            <a:ext cx="1865746" cy="646331"/>
+          </a:xfrm>
+          <a:prstGeom prst="rect">
+            <a:avLst/>
+          </a:prstGeom>
+          <a:noFill/>
+        </p:spPr>
+        <p:txBody>
+          <a:bodyPr wrap="square" rtlCol="0">
+            <a:spAutoFit/>
+          </a:bodyPr>
+          <a:lstStyle/>
+          <a:p>
+            <a:r>
+              <a:rPr lang="en-GB"/>
+              <a:t>Model built using Invision</a:t>
+            </a:r>
+          </a:p>
+        </p:txBody>
+      </p:sp>
+      <p:sp>
+        <p:nvSpPr>
+          <p:cNvPr id="9" name="Arrow: Bent 8">
+            <a:extLst>
+              <a:ext uri="{FF2B5EF4-FFF2-40B4-BE49-F238E27FC236}">
+                <a16:creationId xmlns:a16="http://schemas.microsoft.com/office/drawing/2014/main" id="{94189862-62E4-4C3E-9F3F-3CF954518A77}"/>
               </a:ext>
             </a:extLst>
           </p:cNvPr>
@@ -20770,25 +20238,26 @@
           <p:nvPr/>
         </p:nvSpPr>
         <p:spPr>
-          <a:xfrm>
-            <a:off x="3917308" y="3468713"/>
-            <a:ext cx="358589" cy="304799"/>
+          <a:xfrm rot="10800000">
+            <a:off x="7222836" y="3486727"/>
+            <a:ext cx="498764" cy="244764"/>
           </a:xfrm>
-          <a:prstGeom prst="downArrow">
+          <a:prstGeom prst="bentArrow">
             <a:avLst/>
           </a:prstGeom>
+          <a:ln/>
         </p:spPr>
         <p:style>
           <a:lnRef idx="2">
-            <a:schemeClr val="accent1">
+            <a:schemeClr val="dk1">
               <a:shade val="50000"/>
             </a:schemeClr>
           </a:lnRef>
           <a:fillRef idx="1">
-            <a:schemeClr val="accent1"/>
+            <a:schemeClr val="dk1"/>
           </a:fillRef>
           <a:effectRef idx="0">
-            <a:schemeClr val="accent1"/>
+            <a:schemeClr val="dk1"/>
           </a:effectRef>
           <a:fontRef idx="minor">
             <a:schemeClr val="lt1"/>
@@ -20799,42 +20268,18 @@
           <a:lstStyle/>
           <a:p>
             <a:pPr algn="ctr"/>
-            <a:endParaRPr lang="en-GB"/>
+            <a:endParaRPr lang="en-GB">
+              <a:solidFill>
+                <a:schemeClr val="tx1"/>
+              </a:solidFill>
+            </a:endParaRPr>
           </a:p>
         </p:txBody>
       </p:sp>
-      <p:graphicFrame>
-        <p:nvGraphicFramePr>
-          <p:cNvPr id="1746" name="Diagram 1746">
-            <a:extLst>
-              <a:ext uri="{FF2B5EF4-FFF2-40B4-BE49-F238E27FC236}">
-                <a16:creationId xmlns:a16="http://schemas.microsoft.com/office/drawing/2014/main" id="{5255E623-0FEC-495B-A517-28D3D184D5ED}"/>
-              </a:ext>
-            </a:extLst>
-          </p:cNvPr>
-          <p:cNvGraphicFramePr/>
-          <p:nvPr>
-            <p:extLst>
-              <p:ext uri="{D42A27DB-BD31-4B8C-83A1-F6EECF244321}">
-                <p14:modId xmlns:p14="http://schemas.microsoft.com/office/powerpoint/2010/main" val="2855700708"/>
-              </p:ext>
-            </p:extLst>
-          </p:nvPr>
-        </p:nvGraphicFramePr>
-        <p:xfrm>
-          <a:off x="1631577" y="3814482"/>
-          <a:ext cx="5065059" cy="2545976"/>
-        </p:xfrm>
-        <a:graphic>
-          <a:graphicData uri="http://schemas.openxmlformats.org/drawingml/2006/diagram">
-            <dgm:relIds xmlns:dgm="http://schemas.openxmlformats.org/drawingml/2006/diagram" xmlns:r="http://schemas.openxmlformats.org/officeDocument/2006/relationships" r:dm="rId7" r:lo="rId8" r:qs="rId9" r:cs="rId10"/>
-          </a:graphicData>
-        </a:graphic>
-      </p:graphicFrame>
     </p:spTree>
     <p:extLst>
       <p:ext uri="{BB962C8B-B14F-4D97-AF65-F5344CB8AC3E}">
-        <p14:creationId xmlns:p14="http://schemas.microsoft.com/office/powerpoint/2010/main" val="1134838744"/>
+        <p14:creationId xmlns:p14="http://schemas.microsoft.com/office/powerpoint/2010/main" val="1612285251"/>
       </p:ext>
     </p:extLst>
   </p:cSld>
